--- a/figures/Fig5-2-solution-model.pptx
+++ b/figures/Fig5-2-solution-model.pptx
@@ -197,7 +197,7 @@
           <a:p>
             <a:fld id="{93EF353A-7845-2342-A599-B8485ECA0A1A}" type="datetimeFigureOut">
               <a:rPr kumimoji="1" lang="zh-CN" altLang="en-US" smtClean="0"/>
-              <a:t>2023/3/20</a:t>
+              <a:t>2023/4/6</a:t>
             </a:fld>
             <a:endParaRPr kumimoji="1" lang="zh-CN" altLang="en-US"/>
           </a:p>
@@ -684,7 +684,7 @@
           <a:p>
             <a:fld id="{4F03619C-7E08-A343-BC8A-4171DAD60995}" type="datetimeFigureOut">
               <a:rPr kumimoji="1" lang="zh-CN" altLang="en-US" smtClean="0"/>
-              <a:t>2023/3/20</a:t>
+              <a:t>2023/4/6</a:t>
             </a:fld>
             <a:endParaRPr kumimoji="1" lang="zh-CN" altLang="en-US"/>
           </a:p>
@@ -854,7 +854,7 @@
           <a:p>
             <a:fld id="{4F03619C-7E08-A343-BC8A-4171DAD60995}" type="datetimeFigureOut">
               <a:rPr kumimoji="1" lang="zh-CN" altLang="en-US" smtClean="0"/>
-              <a:t>2023/3/20</a:t>
+              <a:t>2023/4/6</a:t>
             </a:fld>
             <a:endParaRPr kumimoji="1" lang="zh-CN" altLang="en-US"/>
           </a:p>
@@ -1034,7 +1034,7 @@
           <a:p>
             <a:fld id="{4F03619C-7E08-A343-BC8A-4171DAD60995}" type="datetimeFigureOut">
               <a:rPr kumimoji="1" lang="zh-CN" altLang="en-US" smtClean="0"/>
-              <a:t>2023/3/20</a:t>
+              <a:t>2023/4/6</a:t>
             </a:fld>
             <a:endParaRPr kumimoji="1" lang="zh-CN" altLang="en-US"/>
           </a:p>
@@ -1204,7 +1204,7 @@
           <a:p>
             <a:fld id="{4F03619C-7E08-A343-BC8A-4171DAD60995}" type="datetimeFigureOut">
               <a:rPr kumimoji="1" lang="zh-CN" altLang="en-US" smtClean="0"/>
-              <a:t>2023/3/20</a:t>
+              <a:t>2023/4/6</a:t>
             </a:fld>
             <a:endParaRPr kumimoji="1" lang="zh-CN" altLang="en-US"/>
           </a:p>
@@ -1450,7 +1450,7 @@
           <a:p>
             <a:fld id="{4F03619C-7E08-A343-BC8A-4171DAD60995}" type="datetimeFigureOut">
               <a:rPr kumimoji="1" lang="zh-CN" altLang="en-US" smtClean="0"/>
-              <a:t>2023/3/20</a:t>
+              <a:t>2023/4/6</a:t>
             </a:fld>
             <a:endParaRPr kumimoji="1" lang="zh-CN" altLang="en-US"/>
           </a:p>
@@ -1682,7 +1682,7 @@
           <a:p>
             <a:fld id="{4F03619C-7E08-A343-BC8A-4171DAD60995}" type="datetimeFigureOut">
               <a:rPr kumimoji="1" lang="zh-CN" altLang="en-US" smtClean="0"/>
-              <a:t>2023/3/20</a:t>
+              <a:t>2023/4/6</a:t>
             </a:fld>
             <a:endParaRPr kumimoji="1" lang="zh-CN" altLang="en-US"/>
           </a:p>
@@ -2049,7 +2049,7 @@
           <a:p>
             <a:fld id="{4F03619C-7E08-A343-BC8A-4171DAD60995}" type="datetimeFigureOut">
               <a:rPr kumimoji="1" lang="zh-CN" altLang="en-US" smtClean="0"/>
-              <a:t>2023/3/20</a:t>
+              <a:t>2023/4/6</a:t>
             </a:fld>
             <a:endParaRPr kumimoji="1" lang="zh-CN" altLang="en-US"/>
           </a:p>
@@ -2167,7 +2167,7 @@
           <a:p>
             <a:fld id="{4F03619C-7E08-A343-BC8A-4171DAD60995}" type="datetimeFigureOut">
               <a:rPr kumimoji="1" lang="zh-CN" altLang="en-US" smtClean="0"/>
-              <a:t>2023/3/20</a:t>
+              <a:t>2023/4/6</a:t>
             </a:fld>
             <a:endParaRPr kumimoji="1" lang="zh-CN" altLang="en-US"/>
           </a:p>
@@ -2262,7 +2262,7 @@
           <a:p>
             <a:fld id="{4F03619C-7E08-A343-BC8A-4171DAD60995}" type="datetimeFigureOut">
               <a:rPr kumimoji="1" lang="zh-CN" altLang="en-US" smtClean="0"/>
-              <a:t>2023/3/20</a:t>
+              <a:t>2023/4/6</a:t>
             </a:fld>
             <a:endParaRPr kumimoji="1" lang="zh-CN" altLang="en-US"/>
           </a:p>
@@ -2539,7 +2539,7 @@
           <a:p>
             <a:fld id="{4F03619C-7E08-A343-BC8A-4171DAD60995}" type="datetimeFigureOut">
               <a:rPr kumimoji="1" lang="zh-CN" altLang="en-US" smtClean="0"/>
-              <a:t>2023/3/20</a:t>
+              <a:t>2023/4/6</a:t>
             </a:fld>
             <a:endParaRPr kumimoji="1" lang="zh-CN" altLang="en-US"/>
           </a:p>
@@ -2796,7 +2796,7 @@
           <a:p>
             <a:fld id="{4F03619C-7E08-A343-BC8A-4171DAD60995}" type="datetimeFigureOut">
               <a:rPr kumimoji="1" lang="zh-CN" altLang="en-US" smtClean="0"/>
-              <a:t>2023/3/20</a:t>
+              <a:t>2023/4/6</a:t>
             </a:fld>
             <a:endParaRPr kumimoji="1" lang="zh-CN" altLang="en-US"/>
           </a:p>
@@ -3009,7 +3009,7 @@
           <a:p>
             <a:fld id="{4F03619C-7E08-A343-BC8A-4171DAD60995}" type="datetimeFigureOut">
               <a:rPr kumimoji="1" lang="zh-CN" altLang="en-US" smtClean="0"/>
-              <a:t>2023/3/20</a:t>
+              <a:t>2023/4/6</a:t>
             </a:fld>
             <a:endParaRPr kumimoji="1" lang="zh-CN" altLang="en-US"/>
           </a:p>
@@ -3467,6 +3467,9 @@
               <a:solidFill>
                 <a:sysClr val="windowText" lastClr="000000"/>
               </a:solidFill>
+              <a:latin typeface="Times New Roman" panose="02020603050405020304" pitchFamily="18" charset="0"/>
+              <a:ea typeface="Songti TC" panose="02010600040101010101" pitchFamily="2" charset="-120"/>
+              <a:cs typeface="Times New Roman" panose="02020603050405020304" pitchFamily="18" charset="0"/>
             </a:endParaRPr>
           </a:p>
         </p:txBody>
@@ -3567,7 +3570,11 @@
           <a:lstStyle/>
           <a:p>
             <a:pPr algn="ctr"/>
-            <a:endParaRPr kumimoji="1" lang="zh-CN" altLang="en-US"/>
+            <a:endParaRPr kumimoji="1" lang="zh-CN" altLang="en-US">
+              <a:latin typeface="Times New Roman" panose="02020603050405020304" pitchFamily="18" charset="0"/>
+              <a:ea typeface="Songti TC" panose="02010600040101010101" pitchFamily="2" charset="-120"/>
+              <a:cs typeface="Times New Roman" panose="02020603050405020304" pitchFamily="18" charset="0"/>
+            </a:endParaRPr>
           </a:p>
         </p:txBody>
       </p:sp>
@@ -3624,6 +3631,9 @@
               <a:solidFill>
                 <a:sysClr val="windowText" lastClr="000000"/>
               </a:solidFill>
+              <a:latin typeface="Times New Roman" panose="02020603050405020304" pitchFamily="18" charset="0"/>
+              <a:ea typeface="Songti TC" panose="02010600040101010101" pitchFamily="2" charset="-120"/>
+              <a:cs typeface="Times New Roman" panose="02020603050405020304" pitchFamily="18" charset="0"/>
             </a:endParaRPr>
           </a:p>
         </p:txBody>
@@ -3679,7 +3689,11 @@
           <a:lstStyle/>
           <a:p>
             <a:pPr algn="ctr"/>
-            <a:endParaRPr kumimoji="1" lang="zh-CN" altLang="en-US"/>
+            <a:endParaRPr kumimoji="1" lang="zh-CN" altLang="en-US">
+              <a:latin typeface="Times New Roman" panose="02020603050405020304" pitchFamily="18" charset="0"/>
+              <a:ea typeface="Songti TC" panose="02010600040101010101" pitchFamily="2" charset="-120"/>
+              <a:cs typeface="Times New Roman" panose="02020603050405020304" pitchFamily="18" charset="0"/>
+            </a:endParaRPr>
           </a:p>
         </p:txBody>
       </p:sp>
@@ -3734,7 +3748,11 @@
           <a:lstStyle/>
           <a:p>
             <a:pPr algn="ctr"/>
-            <a:endParaRPr kumimoji="1" lang="zh-CN" altLang="en-US"/>
+            <a:endParaRPr kumimoji="1" lang="zh-CN" altLang="en-US">
+              <a:latin typeface="Times New Roman" panose="02020603050405020304" pitchFamily="18" charset="0"/>
+              <a:ea typeface="Songti TC" panose="02010600040101010101" pitchFamily="2" charset="-120"/>
+              <a:cs typeface="Times New Roman" panose="02020603050405020304" pitchFamily="18" charset="0"/>
+            </a:endParaRPr>
           </a:p>
         </p:txBody>
       </p:sp>
@@ -3789,7 +3807,11 @@
           <a:lstStyle/>
           <a:p>
             <a:pPr algn="ctr"/>
-            <a:endParaRPr kumimoji="1" lang="zh-CN" altLang="en-US"/>
+            <a:endParaRPr kumimoji="1" lang="zh-CN" altLang="en-US">
+              <a:latin typeface="Times New Roman" panose="02020603050405020304" pitchFamily="18" charset="0"/>
+              <a:ea typeface="Songti TC" panose="02010600040101010101" pitchFamily="2" charset="-120"/>
+              <a:cs typeface="Times New Roman" panose="02020603050405020304" pitchFamily="18" charset="0"/>
+            </a:endParaRPr>
           </a:p>
         </p:txBody>
       </p:sp>
@@ -3841,7 +3863,11 @@
           <a:lstStyle/>
           <a:p>
             <a:pPr algn="ctr"/>
-            <a:endParaRPr kumimoji="1" lang="zh-CN" altLang="en-US" dirty="0"/>
+            <a:endParaRPr kumimoji="1" lang="zh-CN" altLang="en-US" dirty="0">
+              <a:latin typeface="Times New Roman" panose="02020603050405020304" pitchFamily="18" charset="0"/>
+              <a:ea typeface="Songti TC" panose="02010600040101010101" pitchFamily="2" charset="-120"/>
+              <a:cs typeface="Times New Roman" panose="02020603050405020304" pitchFamily="18" charset="0"/>
+            </a:endParaRPr>
           </a:p>
         </p:txBody>
       </p:sp>
@@ -4104,7 +4130,11 @@
           <a:bodyPr/>
           <a:lstStyle/>
           <a:p>
-            <a:endParaRPr lang="zh-CN" altLang="en-US" dirty="0"/>
+            <a:endParaRPr lang="zh-CN" altLang="en-US" dirty="0">
+              <a:latin typeface="Times New Roman" panose="02020603050405020304" pitchFamily="18" charset="0"/>
+              <a:ea typeface="Songti TC" panose="02010600040101010101" pitchFamily="2" charset="-120"/>
+              <a:cs typeface="Times New Roman" panose="02020603050405020304" pitchFamily="18" charset="0"/>
+            </a:endParaRPr>
           </a:p>
         </p:txBody>
       </p:sp>
@@ -4140,6 +4170,7 @@
             <a:r>
               <a:rPr kumimoji="1" lang="zh-CN" altLang="en-US" sz="2000" dirty="0">
                 <a:latin typeface="Times New Roman" panose="02020603050405020304" pitchFamily="18" charset="0"/>
+                <a:ea typeface="Songti TC" panose="02010600040101010101" pitchFamily="2" charset="-120"/>
                 <a:cs typeface="Times New Roman" panose="02020603050405020304" pitchFamily="18" charset="0"/>
               </a:rPr>
               <a:t>同步策略网络参数</a:t>
@@ -4366,9 +4397,9 @@
                 <a:solidFill>
                   <a:srgbClr val="191919"/>
                 </a:solidFill>
-                <a:latin typeface="Times New Roman"/>
-                <a:ea typeface="Times New Roman"/>
-                <a:cs typeface="Times New Roman"/>
+                <a:latin typeface="Times New Roman" panose="02020603050405020304" pitchFamily="18" charset="0"/>
+                <a:ea typeface="Songti TC" panose="02010600040101010101" pitchFamily="2" charset="-120"/>
+                <a:cs typeface="Times New Roman" panose="02020603050405020304" pitchFamily="18" charset="0"/>
               </a:rPr>
               <a:t>经验回放</a:t>
             </a:r>
@@ -4376,9 +4407,9 @@
               <a:solidFill>
                 <a:srgbClr val="191919"/>
               </a:solidFill>
-              <a:latin typeface="Times New Roman"/>
-              <a:ea typeface="Times New Roman"/>
-              <a:cs typeface="Times New Roman"/>
+              <a:latin typeface="Times New Roman" panose="02020603050405020304" pitchFamily="18" charset="0"/>
+              <a:ea typeface="Songti TC" panose="02010600040101010101" pitchFamily="2" charset="-120"/>
+              <a:cs typeface="Times New Roman" panose="02020603050405020304" pitchFamily="18" charset="0"/>
             </a:endParaRPr>
           </a:p>
           <a:p>
@@ -4388,9 +4419,9 @@
                 <a:solidFill>
                   <a:srgbClr val="191919"/>
                 </a:solidFill>
-                <a:latin typeface="Times New Roman"/>
-                <a:ea typeface="Times New Roman"/>
-                <a:cs typeface="Times New Roman"/>
+                <a:latin typeface="Times New Roman" panose="02020603050405020304" pitchFamily="18" charset="0"/>
+                <a:ea typeface="Songti TC" panose="02010600040101010101" pitchFamily="2" charset="-120"/>
+                <a:cs typeface="Times New Roman" panose="02020603050405020304" pitchFamily="18" charset="0"/>
               </a:rPr>
               <a:t>缓存 </a:t>
             </a:r>
@@ -4543,7 +4574,11 @@
           </a:lstStyle>
           <a:p>
             <a:pPr algn="ctr"/>
-            <a:endParaRPr kumimoji="1" lang="zh-CN" altLang="en-US"/>
+            <a:endParaRPr kumimoji="1" lang="zh-CN" altLang="en-US">
+              <a:latin typeface="Times New Roman" panose="02020603050405020304" pitchFamily="18" charset="0"/>
+              <a:ea typeface="Songti TC" panose="02010600040101010101" pitchFamily="2" charset="-120"/>
+              <a:cs typeface="Times New Roman" panose="02020603050405020304" pitchFamily="18" charset="0"/>
+            </a:endParaRPr>
           </a:p>
         </p:txBody>
       </p:sp>
@@ -4579,6 +4614,7 @@
             <a:r>
               <a:rPr kumimoji="1" lang="zh-CN" altLang="en-US" b="1" dirty="0">
                 <a:latin typeface="Times New Roman" panose="02020603050405020304" pitchFamily="18" charset="0"/>
+                <a:ea typeface="Songti TC" panose="02010600040101010101" pitchFamily="2" charset="-120"/>
                 <a:cs typeface="Times New Roman" panose="02020603050405020304" pitchFamily="18" charset="0"/>
               </a:rPr>
               <a:t>决斗评论网络</a:t>
@@ -4863,7 +4899,11 @@
           <a:lstStyle/>
           <a:p>
             <a:pPr algn="ctr"/>
-            <a:endParaRPr kumimoji="1" lang="zh-CN" altLang="en-US"/>
+            <a:endParaRPr kumimoji="1" lang="zh-CN" altLang="en-US">
+              <a:latin typeface="Times New Roman" panose="02020603050405020304" pitchFamily="18" charset="0"/>
+              <a:ea typeface="Songti TC" panose="02010600040101010101" pitchFamily="2" charset="-120"/>
+              <a:cs typeface="Times New Roman" panose="02020603050405020304" pitchFamily="18" charset="0"/>
+            </a:endParaRPr>
           </a:p>
         </p:txBody>
       </p:sp>
@@ -4918,7 +4958,11 @@
           <a:lstStyle/>
           <a:p>
             <a:pPr algn="ctr"/>
-            <a:endParaRPr kumimoji="1" lang="zh-CN" altLang="en-US"/>
+            <a:endParaRPr kumimoji="1" lang="zh-CN" altLang="en-US">
+              <a:latin typeface="Times New Roman" panose="02020603050405020304" pitchFamily="18" charset="0"/>
+              <a:ea typeface="Songti TC" panose="02010600040101010101" pitchFamily="2" charset="-120"/>
+              <a:cs typeface="Times New Roman" panose="02020603050405020304" pitchFamily="18" charset="0"/>
+            </a:endParaRPr>
           </a:p>
         </p:txBody>
       </p:sp>
@@ -4994,6 +5038,7 @@
               <a:pPr algn="ctr"/>
               <a:endParaRPr kumimoji="1" lang="zh-CN" altLang="en-US">
                 <a:latin typeface="Times New Roman" panose="02020603050405020304" pitchFamily="18" charset="0"/>
+                <a:ea typeface="Songti TC" panose="02010600040101010101" pitchFamily="2" charset="-120"/>
                 <a:cs typeface="Times New Roman" panose="02020603050405020304" pitchFamily="18" charset="0"/>
               </a:endParaRPr>
             </a:p>
@@ -5051,6 +5096,7 @@
               <a:pPr algn="ctr"/>
               <a:endParaRPr kumimoji="1" lang="zh-CN" altLang="en-US">
                 <a:latin typeface="Times New Roman" panose="02020603050405020304" pitchFamily="18" charset="0"/>
+                <a:ea typeface="Songti TC" panose="02010600040101010101" pitchFamily="2" charset="-120"/>
                 <a:cs typeface="Times New Roman" panose="02020603050405020304" pitchFamily="18" charset="0"/>
               </a:endParaRPr>
             </a:p>
@@ -5202,6 +5248,7 @@
               <a:pPr algn="ctr"/>
               <a:endParaRPr kumimoji="1" lang="zh-CN" altLang="en-US">
                 <a:latin typeface="Times New Roman" panose="02020603050405020304" pitchFamily="18" charset="0"/>
+                <a:ea typeface="Songti TC" panose="02010600040101010101" pitchFamily="2" charset="-120"/>
                 <a:cs typeface="Times New Roman" panose="02020603050405020304" pitchFamily="18" charset="0"/>
               </a:endParaRPr>
             </a:p>
@@ -5259,6 +5306,7 @@
               <a:pPr algn="ctr"/>
               <a:endParaRPr kumimoji="1" lang="zh-CN" altLang="en-US">
                 <a:latin typeface="Times New Roman" panose="02020603050405020304" pitchFamily="18" charset="0"/>
+                <a:ea typeface="Songti TC" panose="02010600040101010101" pitchFamily="2" charset="-120"/>
                 <a:cs typeface="Times New Roman" panose="02020603050405020304" pitchFamily="18" charset="0"/>
               </a:endParaRPr>
             </a:p>
@@ -5316,6 +5364,7 @@
               <a:pPr algn="ctr"/>
               <a:endParaRPr kumimoji="1" lang="zh-CN" altLang="en-US">
                 <a:latin typeface="Times New Roman" panose="02020603050405020304" pitchFamily="18" charset="0"/>
+                <a:ea typeface="Songti TC" panose="02010600040101010101" pitchFamily="2" charset="-120"/>
                 <a:cs typeface="Times New Roman" panose="02020603050405020304" pitchFamily="18" charset="0"/>
               </a:endParaRPr>
             </a:p>
@@ -5467,6 +5516,7 @@
               <a:pPr algn="ctr"/>
               <a:endParaRPr kumimoji="1" lang="zh-CN" altLang="en-US">
                 <a:latin typeface="Times New Roman" panose="02020603050405020304" pitchFamily="18" charset="0"/>
+                <a:ea typeface="Songti TC" panose="02010600040101010101" pitchFamily="2" charset="-120"/>
                 <a:cs typeface="Times New Roman" panose="02020603050405020304" pitchFamily="18" charset="0"/>
               </a:endParaRPr>
             </a:p>
@@ -5524,6 +5574,7 @@
               <a:pPr algn="ctr"/>
               <a:endParaRPr kumimoji="1" lang="zh-CN" altLang="en-US">
                 <a:latin typeface="Times New Roman" panose="02020603050405020304" pitchFamily="18" charset="0"/>
+                <a:ea typeface="Songti TC" panose="02010600040101010101" pitchFamily="2" charset="-120"/>
                 <a:cs typeface="Times New Roman" panose="02020603050405020304" pitchFamily="18" charset="0"/>
               </a:endParaRPr>
             </a:p>
@@ -5675,6 +5726,7 @@
               <a:pPr algn="ctr"/>
               <a:endParaRPr kumimoji="1" lang="zh-CN" altLang="en-US">
                 <a:latin typeface="Times New Roman" panose="02020603050405020304" pitchFamily="18" charset="0"/>
+                <a:ea typeface="Songti TC" panose="02010600040101010101" pitchFamily="2" charset="-120"/>
                 <a:cs typeface="Times New Roman" panose="02020603050405020304" pitchFamily="18" charset="0"/>
               </a:endParaRPr>
             </a:p>
@@ -5732,6 +5784,7 @@
               <a:pPr algn="ctr"/>
               <a:endParaRPr kumimoji="1" lang="zh-CN" altLang="en-US">
                 <a:latin typeface="Times New Roman" panose="02020603050405020304" pitchFamily="18" charset="0"/>
+                <a:ea typeface="Songti TC" panose="02010600040101010101" pitchFamily="2" charset="-120"/>
                 <a:cs typeface="Times New Roman" panose="02020603050405020304" pitchFamily="18" charset="0"/>
               </a:endParaRPr>
             </a:p>
@@ -5789,6 +5842,7 @@
               <a:pPr algn="ctr"/>
               <a:endParaRPr kumimoji="1" lang="zh-CN" altLang="en-US">
                 <a:latin typeface="Times New Roman" panose="02020603050405020304" pitchFamily="18" charset="0"/>
+                <a:ea typeface="Songti TC" panose="02010600040101010101" pitchFamily="2" charset="-120"/>
                 <a:cs typeface="Times New Roman" panose="02020603050405020304" pitchFamily="18" charset="0"/>
               </a:endParaRPr>
             </a:p>
@@ -7027,6 +7081,7 @@
             <a:r>
               <a:rPr kumimoji="1" lang="zh-CN" altLang="en-US" dirty="0">
                 <a:latin typeface="Times New Roman" panose="02020603050405020304" pitchFamily="18" charset="0"/>
+                <a:ea typeface="Songti TC" panose="02010600040101010101" pitchFamily="2" charset="-120"/>
                 <a:cs typeface="Times New Roman" panose="02020603050405020304" pitchFamily="18" charset="0"/>
               </a:rPr>
               <a:t>状态价值</a:t>
@@ -7160,6 +7215,7 @@
             <a:r>
               <a:rPr kumimoji="1" lang="zh-CN" altLang="en-US" dirty="0">
                 <a:latin typeface="Times New Roman" panose="02020603050405020304" pitchFamily="18" charset="0"/>
+                <a:ea typeface="Songti TC" panose="02010600040101010101" pitchFamily="2" charset="-120"/>
                 <a:cs typeface="Times New Roman" panose="02020603050405020304" pitchFamily="18" charset="0"/>
               </a:rPr>
               <a:t>动作优势</a:t>
@@ -7353,6 +7409,7 @@
                 <a:pPr algn="ctr"/>
                 <a:endParaRPr kumimoji="1" lang="zh-CN" altLang="en-US">
                   <a:latin typeface="Times New Roman" panose="02020603050405020304" pitchFamily="18" charset="0"/>
+                  <a:ea typeface="Songti TC" panose="02010600040101010101" pitchFamily="2" charset="-120"/>
                   <a:cs typeface="Times New Roman" panose="02020603050405020304" pitchFamily="18" charset="0"/>
                 </a:endParaRPr>
               </a:p>
@@ -7504,6 +7561,7 @@
                 <a:pPr algn="ctr"/>
                 <a:endParaRPr kumimoji="1" lang="zh-CN" altLang="en-US">
                   <a:latin typeface="Times New Roman" panose="02020603050405020304" pitchFamily="18" charset="0"/>
+                  <a:ea typeface="Songti TC" panose="02010600040101010101" pitchFamily="2" charset="-120"/>
                   <a:cs typeface="Times New Roman" panose="02020603050405020304" pitchFamily="18" charset="0"/>
                 </a:endParaRPr>
               </a:p>
@@ -7655,6 +7713,7 @@
                 <a:pPr algn="ctr"/>
                 <a:endParaRPr kumimoji="1" lang="zh-CN" altLang="en-US">
                   <a:latin typeface="Times New Roman" panose="02020603050405020304" pitchFamily="18" charset="0"/>
+                  <a:ea typeface="Songti TC" panose="02010600040101010101" pitchFamily="2" charset="-120"/>
                   <a:cs typeface="Times New Roman" panose="02020603050405020304" pitchFamily="18" charset="0"/>
                 </a:endParaRPr>
               </a:p>
@@ -7806,6 +7865,7 @@
                 <a:pPr algn="ctr"/>
                 <a:endParaRPr kumimoji="1" lang="zh-CN" altLang="en-US">
                   <a:latin typeface="Times New Roman" panose="02020603050405020304" pitchFamily="18" charset="0"/>
+                  <a:ea typeface="Songti TC" panose="02010600040101010101" pitchFamily="2" charset="-120"/>
                   <a:cs typeface="Times New Roman" panose="02020603050405020304" pitchFamily="18" charset="0"/>
                 </a:endParaRPr>
               </a:p>
@@ -7957,6 +8017,7 @@
                 <a:pPr algn="ctr"/>
                 <a:endParaRPr kumimoji="1" lang="zh-CN" altLang="en-US">
                   <a:latin typeface="Times New Roman" panose="02020603050405020304" pitchFamily="18" charset="0"/>
+                  <a:ea typeface="Songti TC" panose="02010600040101010101" pitchFamily="2" charset="-120"/>
                   <a:cs typeface="Times New Roman" panose="02020603050405020304" pitchFamily="18" charset="0"/>
                 </a:endParaRPr>
               </a:p>
@@ -8108,6 +8169,7 @@
                 <a:pPr algn="ctr"/>
                 <a:endParaRPr kumimoji="1" lang="zh-CN" altLang="en-US">
                   <a:latin typeface="Times New Roman" panose="02020603050405020304" pitchFamily="18" charset="0"/>
+                  <a:ea typeface="Songti TC" panose="02010600040101010101" pitchFamily="2" charset="-120"/>
                   <a:cs typeface="Times New Roman" panose="02020603050405020304" pitchFamily="18" charset="0"/>
                 </a:endParaRPr>
               </a:p>
@@ -8259,6 +8321,7 @@
                 <a:pPr algn="ctr"/>
                 <a:endParaRPr kumimoji="1" lang="zh-CN" altLang="en-US">
                   <a:latin typeface="Times New Roman" panose="02020603050405020304" pitchFamily="18" charset="0"/>
+                  <a:ea typeface="Songti TC" panose="02010600040101010101" pitchFamily="2" charset="-120"/>
                   <a:cs typeface="Times New Roman" panose="02020603050405020304" pitchFamily="18" charset="0"/>
                 </a:endParaRPr>
               </a:p>
@@ -8410,6 +8473,7 @@
                 <a:pPr algn="ctr"/>
                 <a:endParaRPr kumimoji="1" lang="zh-CN" altLang="en-US">
                   <a:latin typeface="Times New Roman" panose="02020603050405020304" pitchFamily="18" charset="0"/>
+                  <a:ea typeface="Songti TC" panose="02010600040101010101" pitchFamily="2" charset="-120"/>
                   <a:cs typeface="Times New Roman" panose="02020603050405020304" pitchFamily="18" charset="0"/>
                 </a:endParaRPr>
               </a:p>
@@ -8561,6 +8625,7 @@
                 <a:pPr algn="ctr"/>
                 <a:endParaRPr kumimoji="1" lang="zh-CN" altLang="en-US">
                   <a:latin typeface="Times New Roman" panose="02020603050405020304" pitchFamily="18" charset="0"/>
+                  <a:ea typeface="Songti TC" panose="02010600040101010101" pitchFamily="2" charset="-120"/>
                   <a:cs typeface="Times New Roman" panose="02020603050405020304" pitchFamily="18" charset="0"/>
                 </a:endParaRPr>
               </a:p>
@@ -9789,6 +9854,7 @@
                 <a:pPr algn="ctr"/>
                 <a:endParaRPr kumimoji="1" lang="zh-CN" altLang="en-US">
                   <a:latin typeface="Times New Roman" panose="02020603050405020304" pitchFamily="18" charset="0"/>
+                  <a:ea typeface="Songti TC" panose="02010600040101010101" pitchFamily="2" charset="-120"/>
                   <a:cs typeface="Times New Roman" panose="02020603050405020304" pitchFamily="18" charset="0"/>
                 </a:endParaRPr>
               </a:p>
@@ -9940,6 +10006,7 @@
                 <a:pPr algn="ctr"/>
                 <a:endParaRPr kumimoji="1" lang="zh-CN" altLang="en-US">
                   <a:latin typeface="Times New Roman" panose="02020603050405020304" pitchFamily="18" charset="0"/>
+                  <a:ea typeface="Songti TC" panose="02010600040101010101" pitchFamily="2" charset="-120"/>
                   <a:cs typeface="Times New Roman" panose="02020603050405020304" pitchFamily="18" charset="0"/>
                 </a:endParaRPr>
               </a:p>
@@ -10091,6 +10158,7 @@
                 <a:pPr algn="ctr"/>
                 <a:endParaRPr kumimoji="1" lang="zh-CN" altLang="en-US">
                   <a:latin typeface="Times New Roman" panose="02020603050405020304" pitchFamily="18" charset="0"/>
+                  <a:ea typeface="Songti TC" panose="02010600040101010101" pitchFamily="2" charset="-120"/>
                   <a:cs typeface="Times New Roman" panose="02020603050405020304" pitchFamily="18" charset="0"/>
                 </a:endParaRPr>
               </a:p>
@@ -10242,6 +10310,7 @@
                 <a:pPr algn="ctr"/>
                 <a:endParaRPr kumimoji="1" lang="zh-CN" altLang="en-US">
                   <a:latin typeface="Times New Roman" panose="02020603050405020304" pitchFamily="18" charset="0"/>
+                  <a:ea typeface="Songti TC" panose="02010600040101010101" pitchFamily="2" charset="-120"/>
                   <a:cs typeface="Times New Roman" panose="02020603050405020304" pitchFamily="18" charset="0"/>
                 </a:endParaRPr>
               </a:p>
@@ -10393,6 +10462,7 @@
                 <a:pPr algn="ctr"/>
                 <a:endParaRPr kumimoji="1" lang="zh-CN" altLang="en-US">
                   <a:latin typeface="Times New Roman" panose="02020603050405020304" pitchFamily="18" charset="0"/>
+                  <a:ea typeface="Songti TC" panose="02010600040101010101" pitchFamily="2" charset="-120"/>
                   <a:cs typeface="Times New Roman" panose="02020603050405020304" pitchFamily="18" charset="0"/>
                 </a:endParaRPr>
               </a:p>
@@ -10544,6 +10614,7 @@
                 <a:pPr algn="ctr"/>
                 <a:endParaRPr kumimoji="1" lang="zh-CN" altLang="en-US">
                   <a:latin typeface="Times New Roman" panose="02020603050405020304" pitchFamily="18" charset="0"/>
+                  <a:ea typeface="Songti TC" panose="02010600040101010101" pitchFamily="2" charset="-120"/>
                   <a:cs typeface="Times New Roman" panose="02020603050405020304" pitchFamily="18" charset="0"/>
                 </a:endParaRPr>
               </a:p>
@@ -10695,6 +10766,7 @@
                 <a:pPr algn="ctr"/>
                 <a:endParaRPr kumimoji="1" lang="zh-CN" altLang="en-US">
                   <a:latin typeface="Times New Roman" panose="02020603050405020304" pitchFamily="18" charset="0"/>
+                  <a:ea typeface="Songti TC" panose="02010600040101010101" pitchFamily="2" charset="-120"/>
                   <a:cs typeface="Times New Roman" panose="02020603050405020304" pitchFamily="18" charset="0"/>
                 </a:endParaRPr>
               </a:p>
@@ -10846,6 +10918,7 @@
                 <a:pPr algn="ctr"/>
                 <a:endParaRPr kumimoji="1" lang="zh-CN" altLang="en-US">
                   <a:latin typeface="Times New Roman" panose="02020603050405020304" pitchFamily="18" charset="0"/>
+                  <a:ea typeface="Songti TC" panose="02010600040101010101" pitchFamily="2" charset="-120"/>
                   <a:cs typeface="Times New Roman" panose="02020603050405020304" pitchFamily="18" charset="0"/>
                 </a:endParaRPr>
               </a:p>
@@ -10997,6 +11070,7 @@
                 <a:pPr algn="ctr"/>
                 <a:endParaRPr kumimoji="1" lang="zh-CN" altLang="en-US">
                   <a:latin typeface="Times New Roman" panose="02020603050405020304" pitchFamily="18" charset="0"/>
+                  <a:ea typeface="Songti TC" panose="02010600040101010101" pitchFamily="2" charset="-120"/>
                   <a:cs typeface="Times New Roman" panose="02020603050405020304" pitchFamily="18" charset="0"/>
                 </a:endParaRPr>
               </a:p>
@@ -11148,6 +11222,7 @@
                 <a:pPr algn="ctr"/>
                 <a:endParaRPr kumimoji="1" lang="zh-CN" altLang="en-US">
                   <a:latin typeface="Times New Roman" panose="02020603050405020304" pitchFamily="18" charset="0"/>
+                  <a:ea typeface="Songti TC" panose="02010600040101010101" pitchFamily="2" charset="-120"/>
                   <a:cs typeface="Times New Roman" panose="02020603050405020304" pitchFamily="18" charset="0"/>
                 </a:endParaRPr>
               </a:p>
@@ -12520,6 +12595,7 @@
                 <a:pPr algn="ctr"/>
                 <a:endParaRPr kumimoji="1" lang="zh-CN" altLang="en-US">
                   <a:latin typeface="Times New Roman" panose="02020603050405020304" pitchFamily="18" charset="0"/>
+                  <a:ea typeface="Songti TC" panose="02010600040101010101" pitchFamily="2" charset="-120"/>
                   <a:cs typeface="Times New Roman" panose="02020603050405020304" pitchFamily="18" charset="0"/>
                 </a:endParaRPr>
               </a:p>
@@ -12671,6 +12747,7 @@
                 <a:pPr algn="ctr"/>
                 <a:endParaRPr kumimoji="1" lang="zh-CN" altLang="en-US">
                   <a:latin typeface="Times New Roman" panose="02020603050405020304" pitchFamily="18" charset="0"/>
+                  <a:ea typeface="Songti TC" panose="02010600040101010101" pitchFamily="2" charset="-120"/>
                   <a:cs typeface="Times New Roman" panose="02020603050405020304" pitchFamily="18" charset="0"/>
                 </a:endParaRPr>
               </a:p>
@@ -12822,6 +12899,7 @@
                 <a:pPr algn="ctr"/>
                 <a:endParaRPr kumimoji="1" lang="zh-CN" altLang="en-US">
                   <a:latin typeface="Times New Roman" panose="02020603050405020304" pitchFamily="18" charset="0"/>
+                  <a:ea typeface="Songti TC" panose="02010600040101010101" pitchFamily="2" charset="-120"/>
                   <a:cs typeface="Times New Roman" panose="02020603050405020304" pitchFamily="18" charset="0"/>
                 </a:endParaRPr>
               </a:p>
@@ -12973,6 +13051,7 @@
                 <a:pPr algn="ctr"/>
                 <a:endParaRPr kumimoji="1" lang="zh-CN" altLang="en-US">
                   <a:latin typeface="Times New Roman" panose="02020603050405020304" pitchFamily="18" charset="0"/>
+                  <a:ea typeface="Songti TC" panose="02010600040101010101" pitchFamily="2" charset="-120"/>
                   <a:cs typeface="Times New Roman" panose="02020603050405020304" pitchFamily="18" charset="0"/>
                 </a:endParaRPr>
               </a:p>
@@ -13124,6 +13203,7 @@
                 <a:pPr algn="ctr"/>
                 <a:endParaRPr kumimoji="1" lang="zh-CN" altLang="en-US">
                   <a:latin typeface="Times New Roman" panose="02020603050405020304" pitchFamily="18" charset="0"/>
+                  <a:ea typeface="Songti TC" panose="02010600040101010101" pitchFamily="2" charset="-120"/>
                   <a:cs typeface="Times New Roman" panose="02020603050405020304" pitchFamily="18" charset="0"/>
                 </a:endParaRPr>
               </a:p>
@@ -13275,6 +13355,7 @@
                 <a:pPr algn="ctr"/>
                 <a:endParaRPr kumimoji="1" lang="zh-CN" altLang="en-US">
                   <a:latin typeface="Times New Roman" panose="02020603050405020304" pitchFamily="18" charset="0"/>
+                  <a:ea typeface="Songti TC" panose="02010600040101010101" pitchFamily="2" charset="-120"/>
                   <a:cs typeface="Times New Roman" panose="02020603050405020304" pitchFamily="18" charset="0"/>
                 </a:endParaRPr>
               </a:p>
@@ -13426,6 +13507,7 @@
                 <a:pPr algn="ctr"/>
                 <a:endParaRPr kumimoji="1" lang="zh-CN" altLang="en-US">
                   <a:latin typeface="Times New Roman" panose="02020603050405020304" pitchFamily="18" charset="0"/>
+                  <a:ea typeface="Songti TC" panose="02010600040101010101" pitchFamily="2" charset="-120"/>
                   <a:cs typeface="Times New Roman" panose="02020603050405020304" pitchFamily="18" charset="0"/>
                 </a:endParaRPr>
               </a:p>
@@ -13577,6 +13659,7 @@
                 <a:pPr algn="ctr"/>
                 <a:endParaRPr kumimoji="1" lang="zh-CN" altLang="en-US">
                   <a:latin typeface="Times New Roman" panose="02020603050405020304" pitchFamily="18" charset="0"/>
+                  <a:ea typeface="Songti TC" panose="02010600040101010101" pitchFamily="2" charset="-120"/>
                   <a:cs typeface="Times New Roman" panose="02020603050405020304" pitchFamily="18" charset="0"/>
                 </a:endParaRPr>
               </a:p>
@@ -13728,6 +13811,7 @@
                 <a:pPr algn="ctr"/>
                 <a:endParaRPr kumimoji="1" lang="zh-CN" altLang="en-US">
                   <a:latin typeface="Times New Roman" panose="02020603050405020304" pitchFamily="18" charset="0"/>
+                  <a:ea typeface="Songti TC" panose="02010600040101010101" pitchFamily="2" charset="-120"/>
                   <a:cs typeface="Times New Roman" panose="02020603050405020304" pitchFamily="18" charset="0"/>
                 </a:endParaRPr>
               </a:p>
@@ -14791,12 +14875,16 @@
           <a:lstStyle/>
           <a:p>
             <a:pPr algn="ctr"/>
-            <a:endParaRPr kumimoji="1" lang="zh-CN" altLang="en-US"/>
+            <a:endParaRPr kumimoji="1" lang="zh-CN" altLang="en-US">
+              <a:latin typeface="Times New Roman" panose="02020603050405020304" pitchFamily="18" charset="0"/>
+              <a:ea typeface="Songti TC" panose="02010600040101010101" pitchFamily="2" charset="-120"/>
+              <a:cs typeface="Times New Roman" panose="02020603050405020304" pitchFamily="18" charset="0"/>
+            </a:endParaRPr>
           </a:p>
         </p:txBody>
       </p:sp>
-      <mc:AlternateContent xmlns:mc="http://schemas.openxmlformats.org/markup-compatibility/2006" xmlns:a14="http://schemas.microsoft.com/office/drawing/2010/main">
-        <mc:Choice Requires="a14">
+      <mc:AlternateContent xmlns:mc="http://schemas.openxmlformats.org/markup-compatibility/2006">
+        <mc:Choice xmlns:a14="http://schemas.microsoft.com/office/drawing/2010/main" Requires="a14">
           <p:sp>
             <p:nvSpPr>
               <p:cNvPr id="299" name="文本框 298">
@@ -14949,12 +15037,16 @@
                     </m:oMath>
                   </m:oMathPara>
                 </a14:m>
-                <a:endParaRPr kumimoji="1" lang="zh-CN" altLang="en-US" dirty="0"/>
+                <a:endParaRPr kumimoji="1" lang="zh-CN" altLang="en-US" dirty="0">
+                  <a:latin typeface="Times New Roman" panose="02020603050405020304" pitchFamily="18" charset="0"/>
+                  <a:ea typeface="Songti TC" panose="02010600040101010101" pitchFamily="2" charset="-120"/>
+                  <a:cs typeface="Times New Roman" panose="02020603050405020304" pitchFamily="18" charset="0"/>
+                </a:endParaRPr>
               </a:p>
             </p:txBody>
           </p:sp>
         </mc:Choice>
-        <mc:Fallback xmlns="">
+        <mc:Fallback>
           <p:sp>
             <p:nvSpPr>
               <p:cNvPr id="299" name="文本框 298">
@@ -14999,8 +15091,8 @@
           </p:sp>
         </mc:Fallback>
       </mc:AlternateContent>
-      <mc:AlternateContent xmlns:mc="http://schemas.openxmlformats.org/markup-compatibility/2006" xmlns:a14="http://schemas.microsoft.com/office/drawing/2010/main">
-        <mc:Choice Requires="a14">
+      <mc:AlternateContent xmlns:mc="http://schemas.openxmlformats.org/markup-compatibility/2006">
+        <mc:Choice xmlns:a14="http://schemas.microsoft.com/office/drawing/2010/main" Requires="a14">
           <p:sp>
             <p:nvSpPr>
               <p:cNvPr id="300" name="文本框 299">
@@ -15227,12 +15319,16 @@
                     </m:oMath>
                   </m:oMathPara>
                 </a14:m>
-                <a:endParaRPr kumimoji="1" lang="zh-CN" altLang="en-US" dirty="0"/>
+                <a:endParaRPr kumimoji="1" lang="zh-CN" altLang="en-US" dirty="0">
+                  <a:latin typeface="Times New Roman" panose="02020603050405020304" pitchFamily="18" charset="0"/>
+                  <a:ea typeface="Songti TC" panose="02010600040101010101" pitchFamily="2" charset="-120"/>
+                  <a:cs typeface="Times New Roman" panose="02020603050405020304" pitchFamily="18" charset="0"/>
+                </a:endParaRPr>
               </a:p>
             </p:txBody>
           </p:sp>
         </mc:Choice>
-        <mc:Fallback xmlns="">
+        <mc:Fallback>
           <p:sp>
             <p:nvSpPr>
               <p:cNvPr id="300" name="文本框 299">
@@ -15321,7 +15417,11 @@
           <a:lstStyle/>
           <a:p>
             <a:pPr algn="ctr"/>
-            <a:endParaRPr kumimoji="1" lang="zh-CN" altLang="en-US"/>
+            <a:endParaRPr kumimoji="1" lang="zh-CN" altLang="en-US">
+              <a:latin typeface="Times New Roman" panose="02020603050405020304" pitchFamily="18" charset="0"/>
+              <a:ea typeface="Songti TC" panose="02010600040101010101" pitchFamily="2" charset="-120"/>
+              <a:cs typeface="Times New Roman" panose="02020603050405020304" pitchFamily="18" charset="0"/>
+            </a:endParaRPr>
           </a:p>
         </p:txBody>
       </p:sp>
@@ -15402,6 +15502,7 @@
             <a:r>
               <a:rPr kumimoji="1" lang="zh-CN" altLang="en-US" sz="1600" b="1" dirty="0">
                 <a:latin typeface="Times New Roman" panose="02020603050405020304" pitchFamily="18" charset="0"/>
+                <a:ea typeface="Songti TC" panose="02010600040101010101" pitchFamily="2" charset="-120"/>
                 <a:cs typeface="Times New Roman" panose="02020603050405020304" pitchFamily="18" charset="0"/>
               </a:rPr>
               <a:t>观测</a:t>
@@ -15409,8 +15510,8 @@
           </a:p>
         </p:txBody>
       </p:sp>
-      <mc:AlternateContent xmlns:mc="http://schemas.openxmlformats.org/markup-compatibility/2006" xmlns:a14="http://schemas.microsoft.com/office/drawing/2010/main">
-        <mc:Choice Requires="a14">
+      <mc:AlternateContent xmlns:mc="http://schemas.openxmlformats.org/markup-compatibility/2006">
+        <mc:Choice xmlns:a14="http://schemas.microsoft.com/office/drawing/2010/main" Requires="a14">
           <p:sp>
             <p:nvSpPr>
               <p:cNvPr id="213" name="文本框 212">
@@ -15672,15 +15773,23 @@
                     </m:oMath>
                   </m:oMathPara>
                 </a14:m>
-                <a:endParaRPr kumimoji="1" lang="zh-CN" altLang="en-US" dirty="0"/>
+                <a:endParaRPr kumimoji="1" lang="zh-CN" altLang="en-US" dirty="0">
+                  <a:latin typeface="Times New Roman" panose="02020603050405020304" pitchFamily="18" charset="0"/>
+                  <a:ea typeface="Songti TC" panose="02010600040101010101" pitchFamily="2" charset="-120"/>
+                  <a:cs typeface="Times New Roman" panose="02020603050405020304" pitchFamily="18" charset="0"/>
+                </a:endParaRPr>
               </a:p>
               <a:p>
-                <a:endParaRPr kumimoji="1" lang="zh-CN" altLang="en-US" dirty="0"/>
+                <a:endParaRPr kumimoji="1" lang="zh-CN" altLang="en-US" dirty="0">
+                  <a:latin typeface="Times New Roman" panose="02020603050405020304" pitchFamily="18" charset="0"/>
+                  <a:ea typeface="Songti TC" panose="02010600040101010101" pitchFamily="2" charset="-120"/>
+                  <a:cs typeface="Times New Roman" panose="02020603050405020304" pitchFamily="18" charset="0"/>
+                </a:endParaRPr>
               </a:p>
             </p:txBody>
           </p:sp>
         </mc:Choice>
-        <mc:Fallback xmlns="">
+        <mc:Fallback>
           <p:sp>
             <p:nvSpPr>
               <p:cNvPr id="213" name="文本框 212">
@@ -15725,8 +15834,8 @@
           </p:sp>
         </mc:Fallback>
       </mc:AlternateContent>
-      <mc:AlternateContent xmlns:mc="http://schemas.openxmlformats.org/markup-compatibility/2006" xmlns:a14="http://schemas.microsoft.com/office/drawing/2010/main">
-        <mc:Choice Requires="a14">
+      <mc:AlternateContent xmlns:mc="http://schemas.openxmlformats.org/markup-compatibility/2006">
+        <mc:Choice xmlns:a14="http://schemas.microsoft.com/office/drawing/2010/main" Requires="a14">
           <p:sp>
             <p:nvSpPr>
               <p:cNvPr id="220" name="文本框 219">
@@ -15790,12 +15899,16 @@
                     </m:oMath>
                   </m:oMathPara>
                 </a14:m>
-                <a:endParaRPr lang="zh-CN" altLang="en-US" dirty="0"/>
+                <a:endParaRPr lang="zh-CN" altLang="en-US" dirty="0">
+                  <a:latin typeface="Times New Roman" panose="02020603050405020304" pitchFamily="18" charset="0"/>
+                  <a:ea typeface="Songti TC" panose="02010600040101010101" pitchFamily="2" charset="-120"/>
+                  <a:cs typeface="Times New Roman" panose="02020603050405020304" pitchFamily="18" charset="0"/>
+                </a:endParaRPr>
               </a:p>
             </p:txBody>
           </p:sp>
         </mc:Choice>
-        <mc:Fallback xmlns="">
+        <mc:Fallback>
           <p:sp>
             <p:nvSpPr>
               <p:cNvPr id="220" name="文本框 219">
@@ -15891,7 +16004,11 @@
           <a:lstStyle/>
           <a:p>
             <a:pPr algn="ctr"/>
-            <a:endParaRPr kumimoji="1" lang="zh-CN" altLang="en-US" dirty="0"/>
+            <a:endParaRPr kumimoji="1" lang="zh-CN" altLang="en-US" dirty="0">
+              <a:latin typeface="Times New Roman" panose="02020603050405020304" pitchFamily="18" charset="0"/>
+              <a:ea typeface="Songti TC" panose="02010600040101010101" pitchFamily="2" charset="-120"/>
+              <a:cs typeface="Times New Roman" panose="02020603050405020304" pitchFamily="18" charset="0"/>
+            </a:endParaRPr>
           </a:p>
         </p:txBody>
       </p:sp>
@@ -15927,6 +16044,7 @@
             <a:r>
               <a:rPr kumimoji="1" lang="zh-CN" altLang="en-US" sz="1600" b="1" dirty="0">
                 <a:latin typeface="Times New Roman" panose="02020603050405020304" pitchFamily="18" charset="0"/>
+                <a:ea typeface="Songti TC" panose="02010600040101010101" pitchFamily="2" charset="-120"/>
                 <a:cs typeface="Times New Roman" panose="02020603050405020304" pitchFamily="18" charset="0"/>
               </a:rPr>
               <a:t>权重</a:t>
@@ -15934,8 +16052,8 @@
           </a:p>
         </p:txBody>
       </p:sp>
-      <mc:AlternateContent xmlns:mc="http://schemas.openxmlformats.org/markup-compatibility/2006" xmlns:a14="http://schemas.microsoft.com/office/drawing/2010/main">
-        <mc:Choice Requires="a14">
+      <mc:AlternateContent xmlns:mc="http://schemas.openxmlformats.org/markup-compatibility/2006">
+        <mc:Choice xmlns:a14="http://schemas.microsoft.com/office/drawing/2010/main" Requires="a14">
           <p:sp>
             <p:nvSpPr>
               <p:cNvPr id="221" name="文本框 220">
@@ -15980,12 +16098,16 @@
                     </m:oMath>
                   </m:oMathPara>
                 </a14:m>
-                <a:endParaRPr lang="zh-CN" altLang="en-US" b="1" dirty="0"/>
+                <a:endParaRPr lang="zh-CN" altLang="en-US" b="1" dirty="0">
+                  <a:latin typeface="Times New Roman" panose="02020603050405020304" pitchFamily="18" charset="0"/>
+                  <a:ea typeface="Songti TC" panose="02010600040101010101" pitchFamily="2" charset="-120"/>
+                  <a:cs typeface="Times New Roman" panose="02020603050405020304" pitchFamily="18" charset="0"/>
+                </a:endParaRPr>
               </a:p>
             </p:txBody>
           </p:sp>
         </mc:Choice>
-        <mc:Fallback xmlns="">
+        <mc:Fallback>
           <p:sp>
             <p:nvSpPr>
               <p:cNvPr id="221" name="文本框 220">
@@ -16078,7 +16200,11 @@
           <a:lstStyle/>
           <a:p>
             <a:pPr algn="ctr"/>
-            <a:endParaRPr kumimoji="1" lang="zh-CN" altLang="en-US"/>
+            <a:endParaRPr kumimoji="1" lang="zh-CN" altLang="en-US">
+              <a:latin typeface="Times New Roman" panose="02020603050405020304" pitchFamily="18" charset="0"/>
+              <a:ea typeface="Songti TC" panose="02010600040101010101" pitchFamily="2" charset="-120"/>
+              <a:cs typeface="Times New Roman" panose="02020603050405020304" pitchFamily="18" charset="0"/>
+            </a:endParaRPr>
           </a:p>
         </p:txBody>
       </p:sp>
@@ -16114,6 +16240,7 @@
             <a:r>
               <a:rPr kumimoji="1" lang="zh-CN" altLang="en-US" sz="1600" b="1" dirty="0">
                 <a:latin typeface="Times New Roman" panose="02020603050405020304" pitchFamily="18" charset="0"/>
+                <a:ea typeface="Songti TC" panose="02010600040101010101" pitchFamily="2" charset="-120"/>
                 <a:cs typeface="Times New Roman" panose="02020603050405020304" pitchFamily="18" charset="0"/>
               </a:rPr>
               <a:t>其他动作</a:t>
@@ -16169,7 +16296,11 @@
           <a:lstStyle/>
           <a:p>
             <a:pPr algn="ctr"/>
-            <a:endParaRPr kumimoji="1" lang="zh-CN" altLang="en-US"/>
+            <a:endParaRPr kumimoji="1" lang="zh-CN" altLang="en-US">
+              <a:latin typeface="Times New Roman" panose="02020603050405020304" pitchFamily="18" charset="0"/>
+              <a:ea typeface="Songti TC" panose="02010600040101010101" pitchFamily="2" charset="-120"/>
+              <a:cs typeface="Times New Roman" panose="02020603050405020304" pitchFamily="18" charset="0"/>
+            </a:endParaRPr>
           </a:p>
         </p:txBody>
       </p:sp>
@@ -16205,6 +16336,7 @@
             <a:r>
               <a:rPr kumimoji="1" lang="zh-CN" altLang="en-US" sz="1600" b="1" dirty="0">
                 <a:latin typeface="Times New Roman" panose="02020603050405020304" pitchFamily="18" charset="0"/>
+                <a:ea typeface="Songti TC" panose="02010600040101010101" pitchFamily="2" charset="-120"/>
                 <a:cs typeface="Times New Roman" panose="02020603050405020304" pitchFamily="18" charset="0"/>
               </a:rPr>
               <a:t>动作</a:t>
@@ -16270,7 +16402,11 @@
           <a:lstStyle/>
           <a:p>
             <a:pPr algn="ctr"/>
-            <a:endParaRPr kumimoji="1" lang="zh-CN" altLang="en-US"/>
+            <a:endParaRPr kumimoji="1" lang="zh-CN" altLang="en-US">
+              <a:latin typeface="Times New Roman" panose="02020603050405020304" pitchFamily="18" charset="0"/>
+              <a:ea typeface="Songti TC" panose="02010600040101010101" pitchFamily="2" charset="-120"/>
+              <a:cs typeface="Times New Roman" panose="02020603050405020304" pitchFamily="18" charset="0"/>
+            </a:endParaRPr>
           </a:p>
         </p:txBody>
       </p:sp>
@@ -16332,7 +16468,11 @@
           <a:lstStyle/>
           <a:p>
             <a:pPr algn="ctr"/>
-            <a:endParaRPr kumimoji="1" lang="zh-CN" altLang="en-US"/>
+            <a:endParaRPr kumimoji="1" lang="zh-CN" altLang="en-US">
+              <a:latin typeface="Times New Roman" panose="02020603050405020304" pitchFamily="18" charset="0"/>
+              <a:ea typeface="Songti TC" panose="02010600040101010101" pitchFamily="2" charset="-120"/>
+              <a:cs typeface="Times New Roman" panose="02020603050405020304" pitchFamily="18" charset="0"/>
+            </a:endParaRPr>
           </a:p>
         </p:txBody>
       </p:sp>
@@ -16394,7 +16534,11 @@
           <a:lstStyle/>
           <a:p>
             <a:pPr algn="ctr"/>
-            <a:endParaRPr kumimoji="1" lang="zh-CN" altLang="en-US"/>
+            <a:endParaRPr kumimoji="1" lang="zh-CN" altLang="en-US">
+              <a:latin typeface="Times New Roman" panose="02020603050405020304" pitchFamily="18" charset="0"/>
+              <a:ea typeface="Songti TC" panose="02010600040101010101" pitchFamily="2" charset="-120"/>
+              <a:cs typeface="Times New Roman" panose="02020603050405020304" pitchFamily="18" charset="0"/>
+            </a:endParaRPr>
           </a:p>
         </p:txBody>
       </p:sp>
@@ -16445,7 +16589,11 @@
           <a:lstStyle/>
           <a:p>
             <a:pPr algn="ctr"/>
-            <a:endParaRPr kumimoji="1" lang="zh-CN" altLang="en-US"/>
+            <a:endParaRPr kumimoji="1" lang="zh-CN" altLang="en-US">
+              <a:latin typeface="Times New Roman" panose="02020603050405020304" pitchFamily="18" charset="0"/>
+              <a:ea typeface="Songti TC" panose="02010600040101010101" pitchFamily="2" charset="-120"/>
+              <a:cs typeface="Times New Roman" panose="02020603050405020304" pitchFamily="18" charset="0"/>
+            </a:endParaRPr>
           </a:p>
         </p:txBody>
       </p:sp>
@@ -16494,6 +16642,7 @@
                 <a:r>
                   <a:rPr kumimoji="1" lang="en-US" altLang="zh-CN" sz="1600" b="1" dirty="0">
                     <a:latin typeface="Times New Roman" panose="02020603050405020304" pitchFamily="18" charset="0"/>
+                    <a:ea typeface="Songti TC" panose="02010600040101010101" pitchFamily="2" charset="-120"/>
                     <a:cs typeface="Times New Roman" panose="02020603050405020304" pitchFamily="18" charset="0"/>
                   </a:rPr>
                   <a:t> </a:t>
@@ -16501,6 +16650,7 @@
                 <a:r>
                   <a:rPr kumimoji="1" lang="zh-CN" altLang="en-US" sz="1600" b="1" dirty="0">
                     <a:latin typeface="Times New Roman" panose="02020603050405020304" pitchFamily="18" charset="0"/>
+                    <a:ea typeface="Songti TC" panose="02010600040101010101" pitchFamily="2" charset="-120"/>
                     <a:cs typeface="Times New Roman" panose="02020603050405020304" pitchFamily="18" charset="0"/>
                   </a:rPr>
                   <a:t>随机动作</a:t>
@@ -16535,7 +16685,7 @@
               <a:blipFill>
                 <a:blip r:embed="rId8"/>
                 <a:stretch>
-                  <a:fillRect t="-7407" b="-22222"/>
+                  <a:fillRect t="-7407" b="-25926"/>
                 </a:stretch>
               </a:blipFill>
             </p:spPr>
@@ -16544,7 +16694,7 @@
               <a:lstStyle/>
               <a:p>
                 <a:r>
-                  <a:rPr lang="en-US">
+                  <a:rPr lang="en-CN">
                     <a:noFill/>
                   </a:rPr>
                   <a:t> </a:t>
@@ -16554,8 +16704,8 @@
           </p:sp>
         </mc:Fallback>
       </mc:AlternateContent>
-      <mc:AlternateContent xmlns:mc="http://schemas.openxmlformats.org/markup-compatibility/2006" xmlns:a14="http://schemas.microsoft.com/office/drawing/2010/main">
-        <mc:Choice Requires="a14">
+      <mc:AlternateContent xmlns:mc="http://schemas.openxmlformats.org/markup-compatibility/2006">
+        <mc:Choice xmlns:a14="http://schemas.microsoft.com/office/drawing/2010/main" Requires="a14">
           <p:sp>
             <p:nvSpPr>
               <p:cNvPr id="217" name="文本框 216">
@@ -16625,12 +16775,16 @@
                     </m:oMath>
                   </m:oMathPara>
                 </a14:m>
-                <a:endParaRPr lang="zh-CN" altLang="en-US" dirty="0"/>
+                <a:endParaRPr lang="zh-CN" altLang="en-US" dirty="0">
+                  <a:latin typeface="Times New Roman" panose="02020603050405020304" pitchFamily="18" charset="0"/>
+                  <a:ea typeface="Songti TC" panose="02010600040101010101" pitchFamily="2" charset="-120"/>
+                  <a:cs typeface="Times New Roman" panose="02020603050405020304" pitchFamily="18" charset="0"/>
+                </a:endParaRPr>
               </a:p>
             </p:txBody>
           </p:sp>
         </mc:Choice>
-        <mc:Fallback xmlns="">
+        <mc:Fallback>
           <p:sp>
             <p:nvSpPr>
               <p:cNvPr id="217" name="文本框 216">
@@ -16675,8 +16829,8 @@
           </p:sp>
         </mc:Fallback>
       </mc:AlternateContent>
-      <mc:AlternateContent xmlns:mc="http://schemas.openxmlformats.org/markup-compatibility/2006" xmlns:a14="http://schemas.microsoft.com/office/drawing/2010/main">
-        <mc:Choice Requires="a14">
+      <mc:AlternateContent xmlns:mc="http://schemas.openxmlformats.org/markup-compatibility/2006">
+        <mc:Choice xmlns:a14="http://schemas.microsoft.com/office/drawing/2010/main" Requires="a14">
           <p:sp>
             <p:nvSpPr>
               <p:cNvPr id="218" name="文本框 217">
@@ -16740,12 +16894,16 @@
                     </m:oMath>
                   </m:oMathPara>
                 </a14:m>
-                <a:endParaRPr lang="zh-CN" altLang="en-US" dirty="0"/>
+                <a:endParaRPr lang="zh-CN" altLang="en-US" dirty="0">
+                  <a:latin typeface="Times New Roman" panose="02020603050405020304" pitchFamily="18" charset="0"/>
+                  <a:ea typeface="Songti TC" panose="02010600040101010101" pitchFamily="2" charset="-120"/>
+                  <a:cs typeface="Times New Roman" panose="02020603050405020304" pitchFamily="18" charset="0"/>
+                </a:endParaRPr>
               </a:p>
             </p:txBody>
           </p:sp>
         </mc:Choice>
-        <mc:Fallback xmlns="">
+        <mc:Fallback>
           <p:sp>
             <p:nvSpPr>
               <p:cNvPr id="218" name="文本框 217">
@@ -16790,8 +16948,8 @@
           </p:sp>
         </mc:Fallback>
       </mc:AlternateContent>
-      <mc:AlternateContent xmlns:mc="http://schemas.openxmlformats.org/markup-compatibility/2006" xmlns:a14="http://schemas.microsoft.com/office/drawing/2010/main">
-        <mc:Choice Requires="a14">
+      <mc:AlternateContent xmlns:mc="http://schemas.openxmlformats.org/markup-compatibility/2006">
+        <mc:Choice xmlns:a14="http://schemas.microsoft.com/office/drawing/2010/main" Requires="a14">
           <p:sp>
             <p:nvSpPr>
               <p:cNvPr id="222" name="文本框 221">
@@ -16864,12 +17022,16 @@
                     </m:oMath>
                   </m:oMathPara>
                 </a14:m>
-                <a:endParaRPr lang="zh-CN" altLang="en-US" dirty="0"/>
+                <a:endParaRPr lang="zh-CN" altLang="en-US" dirty="0">
+                  <a:latin typeface="Times New Roman" panose="02020603050405020304" pitchFamily="18" charset="0"/>
+                  <a:ea typeface="Songti TC" panose="02010600040101010101" pitchFamily="2" charset="-120"/>
+                  <a:cs typeface="Times New Roman" panose="02020603050405020304" pitchFamily="18" charset="0"/>
+                </a:endParaRPr>
               </a:p>
             </p:txBody>
           </p:sp>
         </mc:Choice>
-        <mc:Fallback xmlns="">
+        <mc:Fallback>
           <p:sp>
             <p:nvSpPr>
               <p:cNvPr id="222" name="文本框 221">
@@ -16947,6 +17109,7 @@
             <a:r>
               <a:rPr kumimoji="1" lang="zh-CN" altLang="en-US" dirty="0">
                 <a:latin typeface="Times New Roman" panose="02020603050405020304" pitchFamily="18" charset="0"/>
+                <a:ea typeface="Songti TC" panose="02010600040101010101" pitchFamily="2" charset="-120"/>
                 <a:cs typeface="Times New Roman" panose="02020603050405020304" pitchFamily="18" charset="0"/>
               </a:rPr>
               <a:t>动作价值</a:t>
@@ -16986,6 +17149,7 @@
             <a:r>
               <a:rPr kumimoji="1" lang="zh-CN" altLang="en-US" b="1" dirty="0">
                 <a:latin typeface="Times New Roman" panose="02020603050405020304" pitchFamily="18" charset="0"/>
+                <a:ea typeface="Songti TC" panose="02010600040101010101" pitchFamily="2" charset="-120"/>
                 <a:cs typeface="Times New Roman" panose="02020603050405020304" pitchFamily="18" charset="0"/>
               </a:rPr>
               <a:t>策略网络</a:t>
@@ -17025,6 +17189,7 @@
             <a:r>
               <a:rPr kumimoji="1" lang="zh-CN" altLang="en-US" sz="2400" b="1" dirty="0">
                 <a:latin typeface="Times New Roman" panose="02020603050405020304" pitchFamily="18" charset="0"/>
+                <a:ea typeface="Songti TC" panose="02010600040101010101" pitchFamily="2" charset="-120"/>
                 <a:cs typeface="Times New Roman" panose="02020603050405020304" pitchFamily="18" charset="0"/>
               </a:rPr>
               <a:t>车辆或边缘节点的学习器</a:t>
@@ -17064,6 +17229,7 @@
             <a:r>
               <a:rPr kumimoji="1" lang="zh-CN" altLang="en-US" sz="1600" b="1" dirty="0">
                 <a:latin typeface="Times New Roman" panose="02020603050405020304" pitchFamily="18" charset="0"/>
+                <a:ea typeface="Songti TC" panose="02010600040101010101" pitchFamily="2" charset="-120"/>
                 <a:cs typeface="Times New Roman" panose="02020603050405020304" pitchFamily="18" charset="0"/>
               </a:rPr>
               <a:t>观测</a:t>
@@ -17071,8 +17237,8 @@
           </a:p>
         </p:txBody>
       </p:sp>
-      <mc:AlternateContent xmlns:mc="http://schemas.openxmlformats.org/markup-compatibility/2006" xmlns:a14="http://schemas.microsoft.com/office/drawing/2010/main">
-        <mc:Choice Requires="a14">
+      <mc:AlternateContent xmlns:mc="http://schemas.openxmlformats.org/markup-compatibility/2006">
+        <mc:Choice xmlns:a14="http://schemas.microsoft.com/office/drawing/2010/main" Requires="a14">
           <p:sp>
             <p:nvSpPr>
               <p:cNvPr id="305" name="文本框 304">
@@ -17136,12 +17302,16 @@
                     </m:oMath>
                   </m:oMathPara>
                 </a14:m>
-                <a:endParaRPr lang="zh-CN" altLang="en-US" dirty="0"/>
+                <a:endParaRPr lang="zh-CN" altLang="en-US" dirty="0">
+                  <a:latin typeface="Times New Roman" panose="02020603050405020304" pitchFamily="18" charset="0"/>
+                  <a:ea typeface="Songti TC" panose="02010600040101010101" pitchFamily="2" charset="-120"/>
+                  <a:cs typeface="Times New Roman" panose="02020603050405020304" pitchFamily="18" charset="0"/>
+                </a:endParaRPr>
               </a:p>
             </p:txBody>
           </p:sp>
         </mc:Choice>
-        <mc:Fallback xmlns="">
+        <mc:Fallback>
           <p:sp>
             <p:nvSpPr>
               <p:cNvPr id="305" name="文本框 304">
@@ -17372,6 +17542,7 @@
                 <a:pPr algn="ctr"/>
                 <a:endParaRPr kumimoji="1" lang="zh-CN" altLang="en-US">
                   <a:latin typeface="Times New Roman" panose="02020603050405020304" pitchFamily="18" charset="0"/>
+                  <a:ea typeface="Songti TC" panose="02010600040101010101" pitchFamily="2" charset="-120"/>
                   <a:cs typeface="Times New Roman" panose="02020603050405020304" pitchFamily="18" charset="0"/>
                 </a:endParaRPr>
               </a:p>
@@ -17523,6 +17694,7 @@
                 <a:pPr algn="ctr"/>
                 <a:endParaRPr kumimoji="1" lang="zh-CN" altLang="en-US">
                   <a:latin typeface="Times New Roman" panose="02020603050405020304" pitchFamily="18" charset="0"/>
+                  <a:ea typeface="Songti TC" panose="02010600040101010101" pitchFamily="2" charset="-120"/>
                   <a:cs typeface="Times New Roman" panose="02020603050405020304" pitchFamily="18" charset="0"/>
                 </a:endParaRPr>
               </a:p>
@@ -17674,6 +17846,7 @@
                 <a:pPr algn="ctr"/>
                 <a:endParaRPr kumimoji="1" lang="zh-CN" altLang="en-US">
                   <a:latin typeface="Times New Roman" panose="02020603050405020304" pitchFamily="18" charset="0"/>
+                  <a:ea typeface="Songti TC" panose="02010600040101010101" pitchFamily="2" charset="-120"/>
                   <a:cs typeface="Times New Roman" panose="02020603050405020304" pitchFamily="18" charset="0"/>
                 </a:endParaRPr>
               </a:p>
@@ -17825,6 +17998,7 @@
                 <a:pPr algn="ctr"/>
                 <a:endParaRPr kumimoji="1" lang="zh-CN" altLang="en-US">
                   <a:latin typeface="Times New Roman" panose="02020603050405020304" pitchFamily="18" charset="0"/>
+                  <a:ea typeface="Songti TC" panose="02010600040101010101" pitchFamily="2" charset="-120"/>
                   <a:cs typeface="Times New Roman" panose="02020603050405020304" pitchFamily="18" charset="0"/>
                 </a:endParaRPr>
               </a:p>
@@ -17976,6 +18150,7 @@
                 <a:pPr algn="ctr"/>
                 <a:endParaRPr kumimoji="1" lang="zh-CN" altLang="en-US">
                   <a:latin typeface="Times New Roman" panose="02020603050405020304" pitchFamily="18" charset="0"/>
+                  <a:ea typeface="Songti TC" panose="02010600040101010101" pitchFamily="2" charset="-120"/>
                   <a:cs typeface="Times New Roman" panose="02020603050405020304" pitchFamily="18" charset="0"/>
                 </a:endParaRPr>
               </a:p>
@@ -18127,6 +18302,7 @@
                 <a:pPr algn="ctr"/>
                 <a:endParaRPr kumimoji="1" lang="zh-CN" altLang="en-US">
                   <a:latin typeface="Times New Roman" panose="02020603050405020304" pitchFamily="18" charset="0"/>
+                  <a:ea typeface="Songti TC" panose="02010600040101010101" pitchFamily="2" charset="-120"/>
                   <a:cs typeface="Times New Roman" panose="02020603050405020304" pitchFamily="18" charset="0"/>
                 </a:endParaRPr>
               </a:p>
@@ -18278,6 +18454,7 @@
                 <a:pPr algn="ctr"/>
                 <a:endParaRPr kumimoji="1" lang="zh-CN" altLang="en-US">
                   <a:latin typeface="Times New Roman" panose="02020603050405020304" pitchFamily="18" charset="0"/>
+                  <a:ea typeface="Songti TC" panose="02010600040101010101" pitchFamily="2" charset="-120"/>
                   <a:cs typeface="Times New Roman" panose="02020603050405020304" pitchFamily="18" charset="0"/>
                 </a:endParaRPr>
               </a:p>
@@ -18429,6 +18606,7 @@
                 <a:pPr algn="ctr"/>
                 <a:endParaRPr kumimoji="1" lang="zh-CN" altLang="en-US">
                   <a:latin typeface="Times New Roman" panose="02020603050405020304" pitchFamily="18" charset="0"/>
+                  <a:ea typeface="Songti TC" panose="02010600040101010101" pitchFamily="2" charset="-120"/>
                   <a:cs typeface="Times New Roman" panose="02020603050405020304" pitchFamily="18" charset="0"/>
                 </a:endParaRPr>
               </a:p>
@@ -18580,6 +18758,7 @@
                 <a:pPr algn="ctr"/>
                 <a:endParaRPr kumimoji="1" lang="zh-CN" altLang="en-US">
                   <a:latin typeface="Times New Roman" panose="02020603050405020304" pitchFamily="18" charset="0"/>
+                  <a:ea typeface="Songti TC" panose="02010600040101010101" pitchFamily="2" charset="-120"/>
                   <a:cs typeface="Times New Roman" panose="02020603050405020304" pitchFamily="18" charset="0"/>
                 </a:endParaRPr>
               </a:p>
@@ -18731,6 +18910,7 @@
                 <a:pPr algn="ctr"/>
                 <a:endParaRPr kumimoji="1" lang="zh-CN" altLang="en-US">
                   <a:latin typeface="Times New Roman" panose="02020603050405020304" pitchFamily="18" charset="0"/>
+                  <a:ea typeface="Songti TC" panose="02010600040101010101" pitchFamily="2" charset="-120"/>
                   <a:cs typeface="Times New Roman" panose="02020603050405020304" pitchFamily="18" charset="0"/>
                 </a:endParaRPr>
               </a:p>
@@ -18882,6 +19062,7 @@
                 <a:pPr algn="ctr"/>
                 <a:endParaRPr kumimoji="1" lang="zh-CN" altLang="en-US">
                   <a:latin typeface="Times New Roman" panose="02020603050405020304" pitchFamily="18" charset="0"/>
+                  <a:ea typeface="Songti TC" panose="02010600040101010101" pitchFamily="2" charset="-120"/>
                   <a:cs typeface="Times New Roman" panose="02020603050405020304" pitchFamily="18" charset="0"/>
                 </a:endParaRPr>
               </a:p>
@@ -19033,6 +19214,7 @@
                 <a:pPr algn="ctr"/>
                 <a:endParaRPr kumimoji="1" lang="zh-CN" altLang="en-US">
                   <a:latin typeface="Times New Roman" panose="02020603050405020304" pitchFamily="18" charset="0"/>
+                  <a:ea typeface="Songti TC" panose="02010600040101010101" pitchFamily="2" charset="-120"/>
                   <a:cs typeface="Times New Roman" panose="02020603050405020304" pitchFamily="18" charset="0"/>
                 </a:endParaRPr>
               </a:p>
@@ -20885,6 +21067,7 @@
                 <a:pPr algn="ctr"/>
                 <a:endParaRPr kumimoji="1" lang="zh-CN" altLang="en-US">
                   <a:latin typeface="Times New Roman" panose="02020603050405020304" pitchFamily="18" charset="0"/>
+                  <a:ea typeface="Songti TC" panose="02010600040101010101" pitchFamily="2" charset="-120"/>
                   <a:cs typeface="Times New Roman" panose="02020603050405020304" pitchFamily="18" charset="0"/>
                 </a:endParaRPr>
               </a:p>
@@ -21036,6 +21219,7 @@
                 <a:pPr algn="ctr"/>
                 <a:endParaRPr kumimoji="1" lang="zh-CN" altLang="en-US">
                   <a:latin typeface="Times New Roman" panose="02020603050405020304" pitchFamily="18" charset="0"/>
+                  <a:ea typeface="Songti TC" panose="02010600040101010101" pitchFamily="2" charset="-120"/>
                   <a:cs typeface="Times New Roman" panose="02020603050405020304" pitchFamily="18" charset="0"/>
                 </a:endParaRPr>
               </a:p>
@@ -21187,6 +21371,7 @@
                 <a:pPr algn="ctr"/>
                 <a:endParaRPr kumimoji="1" lang="zh-CN" altLang="en-US">
                   <a:latin typeface="Times New Roman" panose="02020603050405020304" pitchFamily="18" charset="0"/>
+                  <a:ea typeface="Songti TC" panose="02010600040101010101" pitchFamily="2" charset="-120"/>
                   <a:cs typeface="Times New Roman" panose="02020603050405020304" pitchFamily="18" charset="0"/>
                 </a:endParaRPr>
               </a:p>
@@ -21338,6 +21523,7 @@
                 <a:pPr algn="ctr"/>
                 <a:endParaRPr kumimoji="1" lang="zh-CN" altLang="en-US">
                   <a:latin typeface="Times New Roman" panose="02020603050405020304" pitchFamily="18" charset="0"/>
+                  <a:ea typeface="Songti TC" panose="02010600040101010101" pitchFamily="2" charset="-120"/>
                   <a:cs typeface="Times New Roman" panose="02020603050405020304" pitchFamily="18" charset="0"/>
                 </a:endParaRPr>
               </a:p>
@@ -21489,6 +21675,7 @@
                 <a:pPr algn="ctr"/>
                 <a:endParaRPr kumimoji="1" lang="zh-CN" altLang="en-US">
                   <a:latin typeface="Times New Roman" panose="02020603050405020304" pitchFamily="18" charset="0"/>
+                  <a:ea typeface="Songti TC" panose="02010600040101010101" pitchFamily="2" charset="-120"/>
                   <a:cs typeface="Times New Roman" panose="02020603050405020304" pitchFamily="18" charset="0"/>
                 </a:endParaRPr>
               </a:p>
@@ -21640,6 +21827,7 @@
                 <a:pPr algn="ctr"/>
                 <a:endParaRPr kumimoji="1" lang="zh-CN" altLang="en-US">
                   <a:latin typeface="Times New Roman" panose="02020603050405020304" pitchFamily="18" charset="0"/>
+                  <a:ea typeface="Songti TC" panose="02010600040101010101" pitchFamily="2" charset="-120"/>
                   <a:cs typeface="Times New Roman" panose="02020603050405020304" pitchFamily="18" charset="0"/>
                 </a:endParaRPr>
               </a:p>
@@ -21791,6 +21979,7 @@
                 <a:pPr algn="ctr"/>
                 <a:endParaRPr kumimoji="1" lang="zh-CN" altLang="en-US">
                   <a:latin typeface="Times New Roman" panose="02020603050405020304" pitchFamily="18" charset="0"/>
+                  <a:ea typeface="Songti TC" panose="02010600040101010101" pitchFamily="2" charset="-120"/>
                   <a:cs typeface="Times New Roman" panose="02020603050405020304" pitchFamily="18" charset="0"/>
                 </a:endParaRPr>
               </a:p>
@@ -21942,6 +22131,7 @@
                 <a:pPr algn="ctr"/>
                 <a:endParaRPr kumimoji="1" lang="zh-CN" altLang="en-US">
                   <a:latin typeface="Times New Roman" panose="02020603050405020304" pitchFamily="18" charset="0"/>
+                  <a:ea typeface="Songti TC" panose="02010600040101010101" pitchFamily="2" charset="-120"/>
                   <a:cs typeface="Times New Roman" panose="02020603050405020304" pitchFamily="18" charset="0"/>
                 </a:endParaRPr>
               </a:p>
@@ -22093,6 +22283,7 @@
                 <a:pPr algn="ctr"/>
                 <a:endParaRPr kumimoji="1" lang="zh-CN" altLang="en-US">
                   <a:latin typeface="Times New Roman" panose="02020603050405020304" pitchFamily="18" charset="0"/>
+                  <a:ea typeface="Songti TC" panose="02010600040101010101" pitchFamily="2" charset="-120"/>
                   <a:cs typeface="Times New Roman" panose="02020603050405020304" pitchFamily="18" charset="0"/>
                 </a:endParaRPr>
               </a:p>
@@ -22244,6 +22435,7 @@
                 <a:pPr algn="ctr"/>
                 <a:endParaRPr kumimoji="1" lang="zh-CN" altLang="en-US">
                   <a:latin typeface="Times New Roman" panose="02020603050405020304" pitchFamily="18" charset="0"/>
+                  <a:ea typeface="Songti TC" panose="02010600040101010101" pitchFamily="2" charset="-120"/>
                   <a:cs typeface="Times New Roman" panose="02020603050405020304" pitchFamily="18" charset="0"/>
                 </a:endParaRPr>
               </a:p>
@@ -22395,6 +22587,7 @@
                 <a:pPr algn="ctr"/>
                 <a:endParaRPr kumimoji="1" lang="zh-CN" altLang="en-US">
                   <a:latin typeface="Times New Roman" panose="02020603050405020304" pitchFamily="18" charset="0"/>
+                  <a:ea typeface="Songti TC" panose="02010600040101010101" pitchFamily="2" charset="-120"/>
                   <a:cs typeface="Times New Roman" panose="02020603050405020304" pitchFamily="18" charset="0"/>
                 </a:endParaRPr>
               </a:p>
@@ -22546,6 +22739,7 @@
                 <a:pPr algn="ctr"/>
                 <a:endParaRPr kumimoji="1" lang="zh-CN" altLang="en-US">
                   <a:latin typeface="Times New Roman" panose="02020603050405020304" pitchFamily="18" charset="0"/>
+                  <a:ea typeface="Songti TC" panose="02010600040101010101" pitchFamily="2" charset="-120"/>
                   <a:cs typeface="Times New Roman" panose="02020603050405020304" pitchFamily="18" charset="0"/>
                 </a:endParaRPr>
               </a:p>
@@ -24398,6 +24592,7 @@
                 <a:pPr algn="ctr"/>
                 <a:endParaRPr kumimoji="1" lang="zh-CN" altLang="en-US">
                   <a:latin typeface="Times New Roman" panose="02020603050405020304" pitchFamily="18" charset="0"/>
+                  <a:ea typeface="Songti TC" panose="02010600040101010101" pitchFamily="2" charset="-120"/>
                   <a:cs typeface="Times New Roman" panose="02020603050405020304" pitchFamily="18" charset="0"/>
                 </a:endParaRPr>
               </a:p>
@@ -24549,6 +24744,7 @@
                 <a:pPr algn="ctr"/>
                 <a:endParaRPr kumimoji="1" lang="zh-CN" altLang="en-US">
                   <a:latin typeface="Times New Roman" panose="02020603050405020304" pitchFamily="18" charset="0"/>
+                  <a:ea typeface="Songti TC" panose="02010600040101010101" pitchFamily="2" charset="-120"/>
                   <a:cs typeface="Times New Roman" panose="02020603050405020304" pitchFamily="18" charset="0"/>
                 </a:endParaRPr>
               </a:p>
@@ -24700,6 +24896,7 @@
                 <a:pPr algn="ctr"/>
                 <a:endParaRPr kumimoji="1" lang="zh-CN" altLang="en-US">
                   <a:latin typeface="Times New Roman" panose="02020603050405020304" pitchFamily="18" charset="0"/>
+                  <a:ea typeface="Songti TC" panose="02010600040101010101" pitchFamily="2" charset="-120"/>
                   <a:cs typeface="Times New Roman" panose="02020603050405020304" pitchFamily="18" charset="0"/>
                 </a:endParaRPr>
               </a:p>
@@ -24851,6 +25048,7 @@
                 <a:pPr algn="ctr"/>
                 <a:endParaRPr kumimoji="1" lang="zh-CN" altLang="en-US">
                   <a:latin typeface="Times New Roman" panose="02020603050405020304" pitchFamily="18" charset="0"/>
+                  <a:ea typeface="Songti TC" panose="02010600040101010101" pitchFamily="2" charset="-120"/>
                   <a:cs typeface="Times New Roman" panose="02020603050405020304" pitchFamily="18" charset="0"/>
                 </a:endParaRPr>
               </a:p>
@@ -25002,6 +25200,7 @@
                 <a:pPr algn="ctr"/>
                 <a:endParaRPr kumimoji="1" lang="zh-CN" altLang="en-US">
                   <a:latin typeface="Times New Roman" panose="02020603050405020304" pitchFamily="18" charset="0"/>
+                  <a:ea typeface="Songti TC" panose="02010600040101010101" pitchFamily="2" charset="-120"/>
                   <a:cs typeface="Times New Roman" panose="02020603050405020304" pitchFamily="18" charset="0"/>
                 </a:endParaRPr>
               </a:p>
@@ -25153,6 +25352,7 @@
                 <a:pPr algn="ctr"/>
                 <a:endParaRPr kumimoji="1" lang="zh-CN" altLang="en-US">
                   <a:latin typeface="Times New Roman" panose="02020603050405020304" pitchFamily="18" charset="0"/>
+                  <a:ea typeface="Songti TC" panose="02010600040101010101" pitchFamily="2" charset="-120"/>
                   <a:cs typeface="Times New Roman" panose="02020603050405020304" pitchFamily="18" charset="0"/>
                 </a:endParaRPr>
               </a:p>
@@ -25304,6 +25504,7 @@
                 <a:pPr algn="ctr"/>
                 <a:endParaRPr kumimoji="1" lang="zh-CN" altLang="en-US">
                   <a:latin typeface="Times New Roman" panose="02020603050405020304" pitchFamily="18" charset="0"/>
+                  <a:ea typeface="Songti TC" panose="02010600040101010101" pitchFamily="2" charset="-120"/>
                   <a:cs typeface="Times New Roman" panose="02020603050405020304" pitchFamily="18" charset="0"/>
                 </a:endParaRPr>
               </a:p>
@@ -25455,6 +25656,7 @@
                 <a:pPr algn="ctr"/>
                 <a:endParaRPr kumimoji="1" lang="zh-CN" altLang="en-US">
                   <a:latin typeface="Times New Roman" panose="02020603050405020304" pitchFamily="18" charset="0"/>
+                  <a:ea typeface="Songti TC" panose="02010600040101010101" pitchFamily="2" charset="-120"/>
                   <a:cs typeface="Times New Roman" panose="02020603050405020304" pitchFamily="18" charset="0"/>
                 </a:endParaRPr>
               </a:p>
@@ -25606,6 +25808,7 @@
                 <a:pPr algn="ctr"/>
                 <a:endParaRPr kumimoji="1" lang="zh-CN" altLang="en-US">
                   <a:latin typeface="Times New Roman" panose="02020603050405020304" pitchFamily="18" charset="0"/>
+                  <a:ea typeface="Songti TC" panose="02010600040101010101" pitchFamily="2" charset="-120"/>
                   <a:cs typeface="Times New Roman" panose="02020603050405020304" pitchFamily="18" charset="0"/>
                 </a:endParaRPr>
               </a:p>
@@ -25757,6 +25960,7 @@
                 <a:pPr algn="ctr"/>
                 <a:endParaRPr kumimoji="1" lang="zh-CN" altLang="en-US">
                   <a:latin typeface="Times New Roman" panose="02020603050405020304" pitchFamily="18" charset="0"/>
+                  <a:ea typeface="Songti TC" panose="02010600040101010101" pitchFamily="2" charset="-120"/>
                   <a:cs typeface="Times New Roman" panose="02020603050405020304" pitchFamily="18" charset="0"/>
                 </a:endParaRPr>
               </a:p>
@@ -25908,6 +26112,7 @@
                 <a:pPr algn="ctr"/>
                 <a:endParaRPr kumimoji="1" lang="zh-CN" altLang="en-US">
                   <a:latin typeface="Times New Roman" panose="02020603050405020304" pitchFamily="18" charset="0"/>
+                  <a:ea typeface="Songti TC" panose="02010600040101010101" pitchFamily="2" charset="-120"/>
                   <a:cs typeface="Times New Roman" panose="02020603050405020304" pitchFamily="18" charset="0"/>
                 </a:endParaRPr>
               </a:p>
@@ -26059,6 +26264,7 @@
                 <a:pPr algn="ctr"/>
                 <a:endParaRPr kumimoji="1" lang="zh-CN" altLang="en-US">
                   <a:latin typeface="Times New Roman" panose="02020603050405020304" pitchFamily="18" charset="0"/>
+                  <a:ea typeface="Songti TC" panose="02010600040101010101" pitchFamily="2" charset="-120"/>
                   <a:cs typeface="Times New Roman" panose="02020603050405020304" pitchFamily="18" charset="0"/>
                 </a:endParaRPr>
               </a:p>
@@ -27794,7 +28000,11 @@
           <a:lstStyle/>
           <a:p>
             <a:pPr algn="ctr"/>
-            <a:endParaRPr kumimoji="1" lang="zh-CN" altLang="en-US"/>
+            <a:endParaRPr kumimoji="1" lang="zh-CN" altLang="en-US">
+              <a:latin typeface="Times New Roman" panose="02020603050405020304" pitchFamily="18" charset="0"/>
+              <a:ea typeface="Songti TC" panose="02010600040101010101" pitchFamily="2" charset="-120"/>
+              <a:cs typeface="Times New Roman" panose="02020603050405020304" pitchFamily="18" charset="0"/>
+            </a:endParaRPr>
           </a:p>
         </p:txBody>
       </p:sp>
@@ -28067,7 +28277,11 @@
                     </m:oMath>
                   </m:oMathPara>
                 </a14:m>
-                <a:endParaRPr kumimoji="1" lang="zh-CN" altLang="en-US" dirty="0"/>
+                <a:endParaRPr kumimoji="1" lang="zh-CN" altLang="en-US" dirty="0">
+                  <a:latin typeface="Times New Roman" panose="02020603050405020304" pitchFamily="18" charset="0"/>
+                  <a:ea typeface="Songti TC" panose="02010600040101010101" pitchFamily="2" charset="-120"/>
+                  <a:cs typeface="Times New Roman" panose="02020603050405020304" pitchFamily="18" charset="0"/>
+                </a:endParaRPr>
               </a:p>
             </p:txBody>
           </p:sp>
@@ -28107,7 +28321,7 @@
               <a:lstStyle/>
               <a:p>
                 <a:r>
-                  <a:rPr lang="en-US">
+                  <a:rPr lang="en-CN">
                     <a:noFill/>
                   </a:rPr>
                   <a:t> </a:t>
@@ -28149,6 +28363,7 @@
             <a:r>
               <a:rPr kumimoji="1" lang="zh-CN" altLang="en-US" dirty="0">
                 <a:latin typeface="Times New Roman" panose="02020603050405020304" pitchFamily="18" charset="0"/>
+                <a:ea typeface="Songti TC" panose="02010600040101010101" pitchFamily="2" charset="-120"/>
                 <a:cs typeface="Times New Roman" panose="02020603050405020304" pitchFamily="18" charset="0"/>
               </a:rPr>
               <a:t>智能体动作</a:t>
@@ -28187,12 +28402,14 @@
             <a:r>
               <a:rPr lang="zh-CN" altLang="en-US" dirty="0">
                 <a:latin typeface="Times New Roman" panose="02020603050405020304" pitchFamily="18" charset="0"/>
+                <a:ea typeface="Songti TC" panose="02010600040101010101" pitchFamily="2" charset="-120"/>
                 <a:cs typeface="Times New Roman" panose="02020603050405020304" pitchFamily="18" charset="0"/>
               </a:rPr>
               <a:t>确定性策略梯度损失</a:t>
             </a:r>
             <a:endParaRPr lang="en-US" altLang="zh-CN" dirty="0">
               <a:latin typeface="Times New Roman" panose="02020603050405020304" pitchFamily="18" charset="0"/>
+              <a:ea typeface="Songti TC" panose="02010600040101010101" pitchFamily="2" charset="-120"/>
               <a:cs typeface="Times New Roman" panose="02020603050405020304" pitchFamily="18" charset="0"/>
             </a:endParaRPr>
           </a:p>
@@ -28340,7 +28557,11 @@
           <a:lstStyle/>
           <a:p>
             <a:pPr algn="ctr"/>
-            <a:endParaRPr kumimoji="1" lang="zh-CN" altLang="en-US"/>
+            <a:endParaRPr kumimoji="1" lang="zh-CN" altLang="en-US">
+              <a:latin typeface="Times New Roman" panose="02020603050405020304" pitchFamily="18" charset="0"/>
+              <a:ea typeface="Songti TC" panose="02010600040101010101" pitchFamily="2" charset="-120"/>
+              <a:cs typeface="Times New Roman" panose="02020603050405020304" pitchFamily="18" charset="0"/>
+            </a:endParaRPr>
           </a:p>
         </p:txBody>
       </p:sp>
@@ -28475,7 +28696,11 @@
           <a:bodyPr/>
           <a:lstStyle/>
           <a:p>
-            <a:endParaRPr lang="zh-CN" altLang="en-US" dirty="0"/>
+            <a:endParaRPr lang="zh-CN" altLang="en-US" dirty="0">
+              <a:latin typeface="Times New Roman" panose="02020603050405020304" pitchFamily="18" charset="0"/>
+              <a:ea typeface="Songti TC" panose="02010600040101010101" pitchFamily="2" charset="-120"/>
+              <a:cs typeface="Times New Roman" panose="02020603050405020304" pitchFamily="18" charset="0"/>
+            </a:endParaRPr>
           </a:p>
         </p:txBody>
       </p:sp>
@@ -28756,9 +28981,9 @@
                 <a:solidFill>
                   <a:srgbClr val="191919"/>
                 </a:solidFill>
-                <a:latin typeface="Times New Roman"/>
-                <a:ea typeface="Times New Roman"/>
-                <a:cs typeface="Times New Roman"/>
+                <a:latin typeface="Times New Roman" panose="02020603050405020304" pitchFamily="18" charset="0"/>
+                <a:ea typeface="Songti TC" panose="02010600040101010101" pitchFamily="2" charset="-120"/>
+                <a:cs typeface="Times New Roman" panose="02020603050405020304" pitchFamily="18" charset="0"/>
               </a:rPr>
               <a:t>  车辆策略网络</a:t>
             </a:r>
@@ -28907,9 +29132,9 @@
                 <a:solidFill>
                   <a:srgbClr val="191919"/>
                 </a:solidFill>
-                <a:latin typeface="Times New Roman"/>
-                <a:ea typeface="Times New Roman"/>
-                <a:cs typeface="Times New Roman"/>
+                <a:latin typeface="Times New Roman" panose="02020603050405020304" pitchFamily="18" charset="0"/>
+                <a:ea typeface="Songti TC" panose="02010600040101010101" pitchFamily="2" charset="-120"/>
+                <a:cs typeface="Times New Roman" panose="02020603050405020304" pitchFamily="18" charset="0"/>
               </a:rPr>
               <a:t>存储</a:t>
             </a:r>
@@ -29745,9 +29970,9 @@
                     <a:solidFill>
                       <a:srgbClr val="191919"/>
                     </a:solidFill>
-                    <a:latin typeface="Times New Roman"/>
-                    <a:ea typeface="Times New Roman"/>
-                    <a:cs typeface="Times New Roman"/>
+                    <a:latin typeface="Times New Roman" panose="02020603050405020304" pitchFamily="18" charset="0"/>
+                    <a:ea typeface="Songti TC" panose="02010600040101010101" pitchFamily="2" charset="-120"/>
+                    <a:cs typeface="Times New Roman" panose="02020603050405020304" pitchFamily="18" charset="0"/>
                   </a:rPr>
                   <a:t>环境</a:t>
                 </a:r>
@@ -29756,9 +29981,9 @@
                     <a:solidFill>
                       <a:srgbClr val="191919"/>
                     </a:solidFill>
-                    <a:latin typeface="Times New Roman"/>
-                    <a:ea typeface="Times New Roman"/>
-                    <a:cs typeface="Times New Roman"/>
+                    <a:latin typeface="Times New Roman" panose="02020603050405020304" pitchFamily="18" charset="0"/>
+                    <a:ea typeface="Songti TC" panose="02010600040101010101" pitchFamily="2" charset="-120"/>
+                    <a:cs typeface="Times New Roman" panose="02020603050405020304" pitchFamily="18" charset="0"/>
                   </a:rPr>
                   <a:t> </a:t>
                 </a:r>
@@ -29781,9 +30006,9 @@
                   <a:solidFill>
                     <a:srgbClr val="191919"/>
                   </a:solidFill>
-                  <a:latin typeface="Times New Roman"/>
-                  <a:ea typeface="Times New Roman"/>
-                  <a:cs typeface="Times New Roman"/>
+                  <a:latin typeface="Times New Roman" panose="02020603050405020304" pitchFamily="18" charset="0"/>
+                  <a:ea typeface="Songti TC" panose="02010600040101010101" pitchFamily="2" charset="-120"/>
+                  <a:cs typeface="Times New Roman" panose="02020603050405020304" pitchFamily="18" charset="0"/>
                 </a:endParaRPr>
               </a:p>
             </p:txBody>
@@ -29870,7 +30095,7 @@
               <a:lstStyle/>
               <a:p>
                 <a:r>
-                  <a:rPr lang="en-US">
+                  <a:rPr lang="en-CN">
                     <a:noFill/>
                   </a:rPr>
                   <a:t> </a:t>
@@ -29960,9 +30185,9 @@
                     <a:solidFill>
                       <a:srgbClr val="191919"/>
                     </a:solidFill>
-                    <a:latin typeface="Times New Roman"/>
-                    <a:ea typeface="Times New Roman"/>
-                    <a:cs typeface="Times New Roman"/>
+                    <a:latin typeface="Times New Roman" panose="02020603050405020304" pitchFamily="18" charset="0"/>
+                    <a:ea typeface="Songti TC" panose="02010600040101010101" pitchFamily="2" charset="-120"/>
+                    <a:cs typeface="Times New Roman" panose="02020603050405020304" pitchFamily="18" charset="0"/>
                   </a:rPr>
                   <a:t>分布式行动者 </a:t>
                 </a:r>
@@ -29985,9 +30210,9 @@
                   <a:solidFill>
                     <a:srgbClr val="191919"/>
                   </a:solidFill>
-                  <a:latin typeface="Times New Roman"/>
-                  <a:ea typeface="Times New Roman"/>
-                  <a:cs typeface="Times New Roman"/>
+                  <a:latin typeface="Times New Roman" panose="02020603050405020304" pitchFamily="18" charset="0"/>
+                  <a:ea typeface="Songti TC" panose="02010600040101010101" pitchFamily="2" charset="-120"/>
+                  <a:cs typeface="Times New Roman" panose="02020603050405020304" pitchFamily="18" charset="0"/>
                 </a:endParaRPr>
               </a:p>
             </p:txBody>
@@ -30074,7 +30299,7 @@
               <a:lstStyle/>
               <a:p>
                 <a:r>
-                  <a:rPr lang="en-US">
+                  <a:rPr lang="en-CN">
                     <a:noFill/>
                   </a:rPr>
                   <a:t> </a:t>
@@ -30759,7 +30984,7 @@
                       <m:sSub>
                         <m:sSubPr>
                           <m:ctrlPr>
-                            <a:rPr kumimoji="1" lang="en-US" altLang="zh-CN" smtClean="0">
+                            <a:rPr kumimoji="1" lang="en-US" altLang="zh-CN" i="1" smtClean="0">
                               <a:latin typeface="Cambria Math" panose="02040503050406030204" pitchFamily="18" charset="0"/>
                             </a:rPr>
                           </m:ctrlPr>
@@ -30829,7 +31054,11 @@
                             <m:rPr>
                               <m:nor/>
                             </m:rPr>
-                            <a:rPr lang="zh-CN" altLang="en-US" dirty="0"/>
+                            <a:rPr lang="zh-CN" altLang="en-US" dirty="0">
+                              <a:latin typeface="Times New Roman" panose="02020603050405020304" pitchFamily="18" charset="0"/>
+                              <a:ea typeface="Songti TC" panose="02010600040101010101" pitchFamily="2" charset="-120"/>
+                              <a:cs typeface="Times New Roman" panose="02020603050405020304" pitchFamily="18" charset="0"/>
+                            </a:rPr>
                             <m:t> </m:t>
                           </m:r>
                           <m:r>
@@ -30882,7 +31111,11 @@
                     </m:oMath>
                   </m:oMathPara>
                 </a14:m>
-                <a:endParaRPr kumimoji="1" lang="zh-CN" altLang="en-US" dirty="0"/>
+                <a:endParaRPr kumimoji="1" lang="zh-CN" altLang="en-US" dirty="0">
+                  <a:latin typeface="Times New Roman" panose="02020603050405020304" pitchFamily="18" charset="0"/>
+                  <a:ea typeface="Songti TC" panose="02010600040101010101" pitchFamily="2" charset="-120"/>
+                  <a:cs typeface="Times New Roman" panose="02020603050405020304" pitchFamily="18" charset="0"/>
+                </a:endParaRPr>
               </a:p>
             </p:txBody>
           </p:sp>
@@ -30913,7 +31146,7 @@
               <a:blipFill>
                 <a:blip r:embed="rId16"/>
                 <a:stretch>
-                  <a:fillRect l="-4494" t="-7692" b="-34615"/>
+                  <a:fillRect l="-4494" t="-3846" b="-30769"/>
                 </a:stretch>
               </a:blipFill>
             </p:spPr>
@@ -30922,7 +31155,7 @@
               <a:lstStyle/>
               <a:p>
                 <a:r>
-                  <a:rPr lang="en-US">
+                  <a:rPr lang="en-CN">
                     <a:noFill/>
                   </a:rPr>
                   <a:t> </a:t>
@@ -30932,8 +31165,8 @@
           </p:sp>
         </mc:Fallback>
       </mc:AlternateContent>
-      <mc:AlternateContent xmlns:mc="http://schemas.openxmlformats.org/markup-compatibility/2006" xmlns:a14="http://schemas.microsoft.com/office/drawing/2010/main">
-        <mc:Choice Requires="a14">
+      <mc:AlternateContent xmlns:mc="http://schemas.openxmlformats.org/markup-compatibility/2006">
+        <mc:Choice xmlns:a14="http://schemas.microsoft.com/office/drawing/2010/main" Requires="a14">
           <p:sp>
             <p:nvSpPr>
               <p:cNvPr id="346" name="矩形 345">
@@ -30949,7 +31182,7 @@
             <p:spPr>
               <a:xfrm>
                 <a:off x="861736" y="6000106"/>
-                <a:ext cx="456087" cy="369332"/>
+                <a:ext cx="460895" cy="369332"/>
               </a:xfrm>
               <a:prstGeom prst="rect">
                 <a:avLst/>
@@ -30996,12 +31229,16 @@
                     </m:oMath>
                   </m:oMathPara>
                 </a14:m>
-                <a:endParaRPr lang="zh-CN" altLang="en-US" dirty="0"/>
+                <a:endParaRPr lang="zh-CN" altLang="en-US" dirty="0">
+                  <a:latin typeface="Times New Roman" panose="02020603050405020304" pitchFamily="18" charset="0"/>
+                  <a:ea typeface="Songti TC" panose="02010600040101010101" pitchFamily="2" charset="-120"/>
+                  <a:cs typeface="Times New Roman" panose="02020603050405020304" pitchFamily="18" charset="0"/>
+                </a:endParaRPr>
               </a:p>
             </p:txBody>
           </p:sp>
         </mc:Choice>
-        <mc:Fallback xmlns="">
+        <mc:Fallback>
           <p:sp>
             <p:nvSpPr>
               <p:cNvPr id="346" name="矩形 345">
@@ -31019,7 +31256,7 @@
             <p:spPr>
               <a:xfrm>
                 <a:off x="861736" y="6000106"/>
-                <a:ext cx="456087" cy="369332"/>
+                <a:ext cx="460895" cy="369332"/>
               </a:xfrm>
               <a:prstGeom prst="rect">
                 <a:avLst/>
@@ -31237,9 +31474,9 @@
                 <a:solidFill>
                   <a:srgbClr val="191919"/>
                 </a:solidFill>
-                <a:latin typeface="Times New Roman"/>
-                <a:ea typeface="Times New Roman"/>
-                <a:cs typeface="Times New Roman"/>
+                <a:latin typeface="Times New Roman" panose="02020603050405020304" pitchFamily="18" charset="0"/>
+                <a:ea typeface="Songti TC" panose="02010600040101010101" pitchFamily="2" charset="-120"/>
+                <a:cs typeface="Times New Roman" panose="02020603050405020304" pitchFamily="18" charset="0"/>
               </a:rPr>
               <a:t>边缘策略网络</a:t>
             </a:r>
@@ -31436,7 +31673,11 @@
                     </m:oMath>
                   </m:oMathPara>
                 </a14:m>
-                <a:endParaRPr kumimoji="1" lang="zh-CN" altLang="en-US" dirty="0"/>
+                <a:endParaRPr kumimoji="1" lang="zh-CN" altLang="en-US" dirty="0">
+                  <a:latin typeface="Times New Roman" panose="02020603050405020304" pitchFamily="18" charset="0"/>
+                  <a:ea typeface="Songti TC" panose="02010600040101010101" pitchFamily="2" charset="-120"/>
+                  <a:cs typeface="Times New Roman" panose="02020603050405020304" pitchFamily="18" charset="0"/>
+                </a:endParaRPr>
               </a:p>
             </p:txBody>
           </p:sp>
@@ -31476,7 +31717,7 @@
               <a:lstStyle/>
               <a:p>
                 <a:r>
-                  <a:rPr lang="en-US">
+                  <a:rPr lang="en-CN">
                     <a:noFill/>
                   </a:rPr>
                   <a:t> </a:t>
@@ -31633,9 +31874,9 @@
                 <a:solidFill>
                   <a:srgbClr val="191919"/>
                 </a:solidFill>
-                <a:latin typeface="Times New Roman"/>
-                <a:ea typeface="Times New Roman"/>
-                <a:cs typeface="Times New Roman"/>
+                <a:latin typeface="Times New Roman" panose="02020603050405020304" pitchFamily="18" charset="0"/>
+                <a:ea typeface="Songti TC" panose="02010600040101010101" pitchFamily="2" charset="-120"/>
+                <a:cs typeface="Times New Roman" panose="02020603050405020304" pitchFamily="18" charset="0"/>
               </a:rPr>
               <a:t>质量和开销</a:t>
             </a:r>
@@ -31643,9 +31884,9 @@
               <a:solidFill>
                 <a:srgbClr val="191919"/>
               </a:solidFill>
-              <a:latin typeface="Times New Roman"/>
-              <a:ea typeface="Times New Roman"/>
-              <a:cs typeface="Times New Roman"/>
+              <a:latin typeface="Times New Roman" panose="02020603050405020304" pitchFamily="18" charset="0"/>
+              <a:ea typeface="Songti TC" panose="02010600040101010101" pitchFamily="2" charset="-120"/>
+              <a:cs typeface="Times New Roman" panose="02020603050405020304" pitchFamily="18" charset="0"/>
             </a:endParaRPr>
           </a:p>
           <a:p>
@@ -31655,9 +31896,9 @@
                 <a:solidFill>
                   <a:srgbClr val="191919"/>
                 </a:solidFill>
-                <a:latin typeface="Times New Roman"/>
-                <a:ea typeface="Times New Roman"/>
-                <a:cs typeface="Times New Roman"/>
+                <a:latin typeface="Times New Roman" panose="02020603050405020304" pitchFamily="18" charset="0"/>
+                <a:ea typeface="Songti TC" panose="02010600040101010101" pitchFamily="2" charset="-120"/>
+                <a:cs typeface="Times New Roman" panose="02020603050405020304" pitchFamily="18" charset="0"/>
               </a:rPr>
               <a:t>模型</a:t>
             </a:r>
@@ -31811,9 +32052,9 @@
                 <a:solidFill>
                   <a:srgbClr val="191919"/>
                 </a:solidFill>
-                <a:latin typeface="Times New Roman"/>
-                <a:ea typeface="Times New Roman"/>
-                <a:cs typeface="Times New Roman"/>
+                <a:latin typeface="Times New Roman" panose="02020603050405020304" pitchFamily="18" charset="0"/>
+                <a:ea typeface="Songti TC" panose="02010600040101010101" pitchFamily="2" charset="-120"/>
+                <a:cs typeface="Times New Roman" panose="02020603050405020304" pitchFamily="18" charset="0"/>
               </a:rPr>
               <a:t>奖励分配</a:t>
             </a:r>
@@ -32355,7 +32596,7 @@
             <p:spPr>
               <a:xfrm>
                 <a:off x="5101145" y="4569496"/>
-                <a:ext cx="469423" cy="369332"/>
+                <a:ext cx="474232" cy="369332"/>
               </a:xfrm>
               <a:prstGeom prst="rect">
                 <a:avLst/>
@@ -32414,7 +32655,11 @@
                     </m:oMath>
                   </m:oMathPara>
                 </a14:m>
-                <a:endParaRPr lang="zh-CN" altLang="en-US" dirty="0"/>
+                <a:endParaRPr lang="zh-CN" altLang="en-US" dirty="0">
+                  <a:latin typeface="Times New Roman" panose="02020603050405020304" pitchFamily="18" charset="0"/>
+                  <a:ea typeface="Songti TC" panose="02010600040101010101" pitchFamily="2" charset="-120"/>
+                  <a:cs typeface="Times New Roman" panose="02020603050405020304" pitchFamily="18" charset="0"/>
+                </a:endParaRPr>
               </a:p>
             </p:txBody>
           </p:sp>
@@ -32437,7 +32682,7 @@
             <p:spPr>
               <a:xfrm>
                 <a:off x="5101145" y="4569496"/>
-                <a:ext cx="469423" cy="369332"/>
+                <a:ext cx="474232" cy="369332"/>
               </a:xfrm>
               <a:prstGeom prst="rect">
                 <a:avLst/>
@@ -32458,7 +32703,7 @@
               <a:lstStyle/>
               <a:p>
                 <a:r>
-                  <a:rPr lang="en-US">
+                  <a:rPr lang="en-CN">
                     <a:noFill/>
                   </a:rPr>
                   <a:t> </a:t>
@@ -32715,8 +32960,8 @@
           </a:ln>
         </p:spPr>
       </p:sp>
-      <mc:AlternateContent xmlns:mc="http://schemas.openxmlformats.org/markup-compatibility/2006" xmlns:a14="http://schemas.microsoft.com/office/drawing/2010/main">
-        <mc:Choice Requires="a14">
+      <mc:AlternateContent xmlns:mc="http://schemas.openxmlformats.org/markup-compatibility/2006">
+        <mc:Choice xmlns:a14="http://schemas.microsoft.com/office/drawing/2010/main" Requires="a14">
           <p:sp>
             <p:nvSpPr>
               <p:cNvPr id="821" name="矩形 820">
@@ -32779,12 +33024,16 @@
                     </m:oMath>
                   </m:oMathPara>
                 </a14:m>
-                <a:endParaRPr lang="zh-CN" altLang="en-US" dirty="0"/>
+                <a:endParaRPr lang="zh-CN" altLang="en-US" dirty="0">
+                  <a:latin typeface="Times New Roman" panose="02020603050405020304" pitchFamily="18" charset="0"/>
+                  <a:ea typeface="Songti TC" panose="02010600040101010101" pitchFamily="2" charset="-120"/>
+                  <a:cs typeface="Times New Roman" panose="02020603050405020304" pitchFamily="18" charset="0"/>
+                </a:endParaRPr>
               </a:p>
             </p:txBody>
           </p:sp>
         </mc:Choice>
-        <mc:Fallback xmlns="">
+        <mc:Fallback>
           <p:sp>
             <p:nvSpPr>
               <p:cNvPr id="821" name="矩形 820">
@@ -32883,7 +33132,11 @@
           <a:lstStyle/>
           <a:p>
             <a:pPr algn="ctr"/>
-            <a:endParaRPr kumimoji="1" lang="zh-CN" altLang="en-US"/>
+            <a:endParaRPr kumimoji="1" lang="zh-CN" altLang="en-US">
+              <a:latin typeface="Times New Roman" panose="02020603050405020304" pitchFamily="18" charset="0"/>
+              <a:ea typeface="Songti TC" panose="02010600040101010101" pitchFamily="2" charset="-120"/>
+              <a:cs typeface="Times New Roman" panose="02020603050405020304" pitchFamily="18" charset="0"/>
+            </a:endParaRPr>
           </a:p>
         </p:txBody>
       </p:sp>
@@ -32971,6 +33224,7 @@
             <a:r>
               <a:rPr kumimoji="1" lang="zh-CN" altLang="en-US" sz="1600" dirty="0">
                 <a:latin typeface="Times New Roman" panose="02020603050405020304" pitchFamily="18" charset="0"/>
+                <a:ea typeface="Songti TC" panose="02010600040101010101" pitchFamily="2" charset="-120"/>
                 <a:cs typeface="Times New Roman" panose="02020603050405020304" pitchFamily="18" charset="0"/>
               </a:rPr>
               <a:t>替换</a:t>
@@ -33329,7 +33583,11 @@
           <a:lstStyle/>
           <a:p>
             <a:pPr algn="ctr"/>
-            <a:endParaRPr kumimoji="1" lang="zh-CN" altLang="en-US"/>
+            <a:endParaRPr kumimoji="1" lang="zh-CN" altLang="en-US">
+              <a:latin typeface="Times New Roman" panose="02020603050405020304" pitchFamily="18" charset="0"/>
+              <a:ea typeface="Songti TC" panose="02010600040101010101" pitchFamily="2" charset="-120"/>
+              <a:cs typeface="Times New Roman" panose="02020603050405020304" pitchFamily="18" charset="0"/>
+            </a:endParaRPr>
           </a:p>
         </p:txBody>
       </p:sp>
@@ -33387,6 +33645,7 @@
                   <a:schemeClr val="tx1"/>
                 </a:solidFill>
                 <a:latin typeface="Times New Roman" panose="02020603050405020304" pitchFamily="18" charset="0"/>
+                <a:ea typeface="Songti TC" panose="02010600040101010101" pitchFamily="2" charset="-120"/>
                 <a:cs typeface="Times New Roman" panose="02020603050405020304" pitchFamily="18" charset="0"/>
               </a:rPr>
               <a:t>时间差分学习损失</a:t>
@@ -33445,7 +33704,11 @@
           <a:lstStyle/>
           <a:p>
             <a:pPr algn="ctr"/>
-            <a:endParaRPr kumimoji="1" lang="zh-CN" altLang="en-US"/>
+            <a:endParaRPr kumimoji="1" lang="zh-CN" altLang="en-US">
+              <a:latin typeface="Times New Roman" panose="02020603050405020304" pitchFamily="18" charset="0"/>
+              <a:ea typeface="Songti TC" panose="02010600040101010101" pitchFamily="2" charset="-120"/>
+              <a:cs typeface="Times New Roman" panose="02020603050405020304" pitchFamily="18" charset="0"/>
+            </a:endParaRPr>
           </a:p>
         </p:txBody>
       </p:sp>
@@ -33499,7 +33762,11 @@
           <a:lstStyle/>
           <a:p>
             <a:pPr algn="ctr"/>
-            <a:endParaRPr kumimoji="1" lang="zh-CN" altLang="en-US"/>
+            <a:endParaRPr kumimoji="1" lang="zh-CN" altLang="en-US">
+              <a:latin typeface="Times New Roman" panose="02020603050405020304" pitchFamily="18" charset="0"/>
+              <a:ea typeface="Songti TC" panose="02010600040101010101" pitchFamily="2" charset="-120"/>
+              <a:cs typeface="Times New Roman" panose="02020603050405020304" pitchFamily="18" charset="0"/>
+            </a:endParaRPr>
           </a:p>
         </p:txBody>
       </p:sp>
@@ -33616,7 +33883,11 @@
             <a:lstStyle/>
             <a:p>
               <a:pPr algn="ctr"/>
-              <a:endParaRPr kumimoji="1" lang="zh-CN" altLang="en-US" dirty="0"/>
+              <a:endParaRPr kumimoji="1" lang="zh-CN" altLang="en-US" dirty="0">
+                <a:latin typeface="Times New Roman" panose="02020603050405020304" pitchFamily="18" charset="0"/>
+                <a:ea typeface="Songti TC" panose="02010600040101010101" pitchFamily="2" charset="-120"/>
+                <a:cs typeface="Times New Roman" panose="02020603050405020304" pitchFamily="18" charset="0"/>
+              </a:endParaRPr>
             </a:p>
           </p:txBody>
         </p:sp>
@@ -33652,6 +33923,7 @@
               <a:r>
                 <a:rPr kumimoji="1" lang="zh-CN" altLang="en-US" sz="1600" b="1" dirty="0">
                   <a:latin typeface="Times New Roman" panose="02020603050405020304" pitchFamily="18" charset="0"/>
+                  <a:ea typeface="Songti TC" panose="02010600040101010101" pitchFamily="2" charset="-120"/>
                   <a:cs typeface="Times New Roman" panose="02020603050405020304" pitchFamily="18" charset="0"/>
                 </a:rPr>
                 <a:t>奖励</a:t>
@@ -33659,8 +33931,8 @@
             </a:p>
           </p:txBody>
         </p:sp>
-        <mc:AlternateContent xmlns:mc="http://schemas.openxmlformats.org/markup-compatibility/2006" xmlns:a14="http://schemas.microsoft.com/office/drawing/2010/main">
-          <mc:Choice Requires="a14">
+        <mc:AlternateContent xmlns:mc="http://schemas.openxmlformats.org/markup-compatibility/2006">
+          <mc:Choice xmlns:a14="http://schemas.microsoft.com/office/drawing/2010/main" Requires="a14">
             <p:sp>
               <p:nvSpPr>
                 <p:cNvPr id="705" name="文本框 704">
@@ -33724,12 +33996,16 @@
                       </m:oMath>
                     </m:oMathPara>
                   </a14:m>
-                  <a:endParaRPr lang="zh-CN" altLang="en-US" dirty="0"/>
+                  <a:endParaRPr lang="zh-CN" altLang="en-US" dirty="0">
+                    <a:latin typeface="Times New Roman" panose="02020603050405020304" pitchFamily="18" charset="0"/>
+                    <a:ea typeface="Songti TC" panose="02010600040101010101" pitchFamily="2" charset="-120"/>
+                    <a:cs typeface="Times New Roman" panose="02020603050405020304" pitchFamily="18" charset="0"/>
+                  </a:endParaRPr>
                 </a:p>
               </p:txBody>
             </p:sp>
           </mc:Choice>
-          <mc:Fallback xmlns="">
+          <mc:Fallback>
             <p:sp>
               <p:nvSpPr>
                 <p:cNvPr id="705" name="文本框 704">
@@ -33764,7 +34040,7 @@
                 <a:lstStyle/>
                 <a:p>
                   <a:r>
-                    <a:rPr lang="zh-CN" altLang="en-US">
+                    <a:rPr lang="en-CN">
                       <a:noFill/>
                     </a:rPr>
                     <a:t> </a:t>
@@ -33888,7 +34164,11 @@
             <a:lstStyle/>
             <a:p>
               <a:pPr algn="ctr"/>
-              <a:endParaRPr kumimoji="1" lang="zh-CN" altLang="en-US"/>
+              <a:endParaRPr kumimoji="1" lang="zh-CN" altLang="en-US">
+                <a:latin typeface="Times New Roman" panose="02020603050405020304" pitchFamily="18" charset="0"/>
+                <a:ea typeface="Songti TC" panose="02010600040101010101" pitchFamily="2" charset="-120"/>
+                <a:cs typeface="Times New Roman" panose="02020603050405020304" pitchFamily="18" charset="0"/>
+              </a:endParaRPr>
             </a:p>
           </p:txBody>
         </p:sp>
@@ -34017,7 +34297,11 @@
                       </m:oMath>
                     </m:oMathPara>
                   </a14:m>
-                  <a:endParaRPr lang="zh-CN" altLang="en-US" dirty="0"/>
+                  <a:endParaRPr lang="zh-CN" altLang="en-US" dirty="0">
+                    <a:latin typeface="Times New Roman" panose="02020603050405020304" pitchFamily="18" charset="0"/>
+                    <a:ea typeface="Songti TC" panose="02010600040101010101" pitchFamily="2" charset="-120"/>
+                    <a:cs typeface="Times New Roman" panose="02020603050405020304" pitchFamily="18" charset="0"/>
+                  </a:endParaRPr>
                 </a:p>
               </p:txBody>
             </p:sp>
@@ -34057,7 +34341,7 @@
                 <a:lstStyle/>
                 <a:p>
                   <a:r>
-                    <a:rPr lang="en-US">
+                    <a:rPr lang="en-CN">
                       <a:noFill/>
                     </a:rPr>
                     <a:t> </a:t>
@@ -34102,6 +34386,7 @@
                 <a:r>
                   <a:rPr kumimoji="1" lang="zh-CN" altLang="en-US" sz="1600" b="1" dirty="0">
                     <a:latin typeface="Times New Roman" panose="02020603050405020304" pitchFamily="18" charset="0"/>
+                    <a:ea typeface="Songti TC" panose="02010600040101010101" pitchFamily="2" charset="-120"/>
                     <a:cs typeface="Times New Roman" panose="02020603050405020304" pitchFamily="18" charset="0"/>
                   </a:rPr>
                   <a:t>车辆</a:t>
@@ -34109,6 +34394,7 @@
                 <a:r>
                   <a:rPr kumimoji="1" lang="en-US" altLang="zh-CN" sz="1600" b="1" dirty="0">
                     <a:latin typeface="Times New Roman" panose="02020603050405020304" pitchFamily="18" charset="0"/>
+                    <a:ea typeface="Songti TC" panose="02010600040101010101" pitchFamily="2" charset="-120"/>
                     <a:cs typeface="Times New Roman" panose="02020603050405020304" pitchFamily="18" charset="0"/>
                   </a:rPr>
                   <a:t> </a:t>
@@ -34127,12 +34413,14 @@
                 <a:r>
                   <a:rPr kumimoji="1" lang="en-US" altLang="zh-CN" sz="1600" b="1" dirty="0">
                     <a:latin typeface="Times New Roman" panose="02020603050405020304" pitchFamily="18" charset="0"/>
+                    <a:ea typeface="Songti TC" panose="02010600040101010101" pitchFamily="2" charset="-120"/>
                     <a:cs typeface="Times New Roman" panose="02020603050405020304" pitchFamily="18" charset="0"/>
                   </a:rPr>
                   <a:t> </a:t>
                 </a:r>
                 <a:endParaRPr kumimoji="1" lang="zh-CN" altLang="en-US" sz="1600" b="1" dirty="0">
                   <a:latin typeface="Times New Roman" panose="02020603050405020304" pitchFamily="18" charset="0"/>
+                  <a:ea typeface="Songti TC" panose="02010600040101010101" pitchFamily="2" charset="-120"/>
                   <a:cs typeface="Times New Roman" panose="02020603050405020304" pitchFamily="18" charset="0"/>
                 </a:endParaRPr>
               </a:p>
@@ -34165,7 +34453,7 @@
               <a:blipFill>
                 <a:blip r:embed="rId23"/>
                 <a:stretch>
-                  <a:fillRect t="-7407" b="-22222"/>
+                  <a:fillRect t="-7407" b="-25926"/>
                 </a:stretch>
               </a:blipFill>
             </p:spPr>
@@ -34174,7 +34462,7 @@
               <a:lstStyle/>
               <a:p>
                 <a:r>
-                  <a:rPr lang="en-US">
+                  <a:rPr lang="en-CN">
                     <a:noFill/>
                   </a:rPr>
                   <a:t> </a:t>
@@ -34218,6 +34506,7 @@
                 <a:r>
                   <a:rPr kumimoji="1" lang="zh-CN" altLang="en-US" sz="1600" b="1" dirty="0">
                     <a:latin typeface="Times New Roman" panose="02020603050405020304" pitchFamily="18" charset="0"/>
+                    <a:ea typeface="Songti TC" panose="02010600040101010101" pitchFamily="2" charset="-120"/>
                     <a:cs typeface="Times New Roman" panose="02020603050405020304" pitchFamily="18" charset="0"/>
                   </a:rPr>
                   <a:t>边缘节点 </a:t>
@@ -34235,6 +34524,7 @@
                 </a14:m>
                 <a:endParaRPr kumimoji="1" lang="zh-CN" altLang="en-US" sz="1600" b="1" dirty="0">
                   <a:latin typeface="Times New Roman" panose="02020603050405020304" pitchFamily="18" charset="0"/>
+                  <a:ea typeface="Songti TC" panose="02010600040101010101" pitchFamily="2" charset="-120"/>
                   <a:cs typeface="Times New Roman" panose="02020603050405020304" pitchFamily="18" charset="0"/>
                 </a:endParaRPr>
               </a:p>
@@ -34267,7 +34557,7 @@
               <a:blipFill>
                 <a:blip r:embed="rId24"/>
                 <a:stretch>
-                  <a:fillRect t="-3704" b="-22222"/>
+                  <a:fillRect t="-3704" b="-25926"/>
                 </a:stretch>
               </a:blipFill>
             </p:spPr>
@@ -34276,7 +34566,7 @@
               <a:lstStyle/>
               <a:p>
                 <a:r>
-                  <a:rPr lang="en-US">
+                  <a:rPr lang="en-CN">
                     <a:noFill/>
                   </a:rPr>
                   <a:t> </a:t>
@@ -34362,6 +34652,7 @@
             <a:r>
               <a:rPr kumimoji="1" lang="zh-CN" altLang="en-US" sz="2000" b="1" dirty="0">
                 <a:latin typeface="Times New Roman" panose="02020603050405020304" pitchFamily="18" charset="0"/>
+                <a:ea typeface="Songti TC" panose="02010600040101010101" pitchFamily="2" charset="-120"/>
                 <a:cs typeface="Times New Roman" panose="02020603050405020304" pitchFamily="18" charset="0"/>
               </a:rPr>
               <a:t>训练数据</a:t>
@@ -34437,7 +34728,11 @@
             <a:lstStyle/>
             <a:p>
               <a:pPr algn="ctr"/>
-              <a:endParaRPr kumimoji="1" lang="zh-CN" altLang="en-US"/>
+              <a:endParaRPr kumimoji="1" lang="zh-CN" altLang="en-US">
+                <a:latin typeface="Times New Roman" panose="02020603050405020304" pitchFamily="18" charset="0"/>
+                <a:ea typeface="Songti TC" panose="02010600040101010101" pitchFamily="2" charset="-120"/>
+                <a:cs typeface="Times New Roman" panose="02020603050405020304" pitchFamily="18" charset="0"/>
+              </a:endParaRPr>
             </a:p>
           </p:txBody>
         </p:sp>
@@ -34514,7 +34809,11 @@
                       </m:oMath>
                     </m:oMathPara>
                   </a14:m>
-                  <a:endParaRPr lang="zh-CN" altLang="en-US" dirty="0"/>
+                  <a:endParaRPr lang="zh-CN" altLang="en-US" dirty="0">
+                    <a:latin typeface="Times New Roman" panose="02020603050405020304" pitchFamily="18" charset="0"/>
+                    <a:ea typeface="Songti TC" panose="02010600040101010101" pitchFamily="2" charset="-120"/>
+                    <a:cs typeface="Times New Roman" panose="02020603050405020304" pitchFamily="18" charset="0"/>
+                  </a:endParaRPr>
                 </a:p>
               </p:txBody>
             </p:sp>
@@ -34554,7 +34853,7 @@
                 <a:lstStyle/>
                 <a:p>
                   <a:r>
-                    <a:rPr lang="en-US">
+                    <a:rPr lang="en-CN">
                       <a:noFill/>
                     </a:rPr>
                     <a:t> </a:t>
@@ -34610,12 +34909,14 @@
                 <a:r>
                   <a:rPr kumimoji="1" lang="zh-CN" altLang="en-US" sz="1600" dirty="0">
                     <a:latin typeface="Times New Roman" panose="02020603050405020304" pitchFamily="18" charset="0"/>
+                    <a:ea typeface="Songti TC" panose="02010600040101010101" pitchFamily="2" charset="-120"/>
                     <a:cs typeface="Times New Roman" panose="02020603050405020304" pitchFamily="18" charset="0"/>
                   </a:rPr>
                   <a:t>的动作</a:t>
                 </a:r>
                 <a:endParaRPr kumimoji="1" lang="zh-CN" altLang="en-US" sz="2000" dirty="0">
                   <a:latin typeface="Times New Roman" panose="02020603050405020304" pitchFamily="18" charset="0"/>
+                  <a:ea typeface="Songti TC" panose="02010600040101010101" pitchFamily="2" charset="-120"/>
                   <a:cs typeface="Times New Roman" panose="02020603050405020304" pitchFamily="18" charset="0"/>
                 </a:endParaRPr>
               </a:p>
@@ -34648,7 +34949,7 @@
               <a:blipFill>
                 <a:blip r:embed="rId26"/>
                 <a:stretch>
-                  <a:fillRect t="-7143" b="-17857"/>
+                  <a:fillRect t="-7143" b="-21429"/>
                 </a:stretch>
               </a:blipFill>
             </p:spPr>
@@ -34657,7 +34958,7 @@
               <a:lstStyle/>
               <a:p>
                 <a:r>
-                  <a:rPr lang="en-US">
+                  <a:rPr lang="en-CN">
                     <a:noFill/>
                   </a:rPr>
                   <a:t> </a:t>
@@ -34738,12 +35039,16 @@
             <a:lstStyle/>
             <a:p>
               <a:pPr algn="ctr"/>
-              <a:endParaRPr kumimoji="1" lang="zh-CN" altLang="en-US" dirty="0"/>
+              <a:endParaRPr kumimoji="1" lang="zh-CN" altLang="en-US" dirty="0">
+                <a:latin typeface="Times New Roman" panose="02020603050405020304" pitchFamily="18" charset="0"/>
+                <a:ea typeface="Songti TC" panose="02010600040101010101" pitchFamily="2" charset="-120"/>
+                <a:cs typeface="Times New Roman" panose="02020603050405020304" pitchFamily="18" charset="0"/>
+              </a:endParaRPr>
             </a:p>
           </p:txBody>
         </p:sp>
-        <mc:AlternateContent xmlns:mc="http://schemas.openxmlformats.org/markup-compatibility/2006" xmlns:a14="http://schemas.microsoft.com/office/drawing/2010/main">
-          <mc:Choice Requires="a14">
+        <mc:AlternateContent xmlns:mc="http://schemas.openxmlformats.org/markup-compatibility/2006">
+          <mc:Choice xmlns:a14="http://schemas.microsoft.com/office/drawing/2010/main" Requires="a14">
             <p:sp>
               <p:nvSpPr>
                 <p:cNvPr id="288" name="文本框 287">
@@ -34807,12 +35112,16 @@
                       </m:oMath>
                     </m:oMathPara>
                   </a14:m>
-                  <a:endParaRPr lang="zh-CN" altLang="en-US" dirty="0"/>
+                  <a:endParaRPr lang="zh-CN" altLang="en-US" dirty="0">
+                    <a:latin typeface="Times New Roman" panose="02020603050405020304" pitchFamily="18" charset="0"/>
+                    <a:ea typeface="Songti TC" panose="02010600040101010101" pitchFamily="2" charset="-120"/>
+                    <a:cs typeface="Times New Roman" panose="02020603050405020304" pitchFamily="18" charset="0"/>
+                  </a:endParaRPr>
                 </a:p>
               </p:txBody>
             </p:sp>
           </mc:Choice>
-          <mc:Fallback xmlns="">
+          <mc:Fallback>
             <p:sp>
               <p:nvSpPr>
                 <p:cNvPr id="288" name="文本框 287">
@@ -34847,7 +35156,7 @@
                 <a:lstStyle/>
                 <a:p>
                   <a:r>
-                    <a:rPr lang="zh-CN" altLang="en-US">
+                    <a:rPr lang="en-CN">
                       <a:noFill/>
                     </a:rPr>
                     <a:t> </a:t>
@@ -34926,7 +35235,11 @@
             <a:lstStyle/>
             <a:p>
               <a:pPr algn="ctr"/>
-              <a:endParaRPr kumimoji="1" lang="zh-CN" altLang="en-US" dirty="0"/>
+              <a:endParaRPr kumimoji="1" lang="zh-CN" altLang="en-US" dirty="0">
+                <a:latin typeface="Times New Roman" panose="02020603050405020304" pitchFamily="18" charset="0"/>
+                <a:ea typeface="Songti TC" panose="02010600040101010101" pitchFamily="2" charset="-120"/>
+                <a:cs typeface="Times New Roman" panose="02020603050405020304" pitchFamily="18" charset="0"/>
+              </a:endParaRPr>
             </a:p>
           </p:txBody>
         </p:sp>
@@ -35003,7 +35316,11 @@
                       </m:oMath>
                     </m:oMathPara>
                   </a14:m>
-                  <a:endParaRPr lang="zh-CN" altLang="en-US" dirty="0"/>
+                  <a:endParaRPr lang="zh-CN" altLang="en-US" dirty="0">
+                    <a:latin typeface="Times New Roman" panose="02020603050405020304" pitchFamily="18" charset="0"/>
+                    <a:ea typeface="Songti TC" panose="02010600040101010101" pitchFamily="2" charset="-120"/>
+                    <a:cs typeface="Times New Roman" panose="02020603050405020304" pitchFamily="18" charset="0"/>
+                  </a:endParaRPr>
                 </a:p>
               </p:txBody>
             </p:sp>
@@ -35043,7 +35360,7 @@
                 <a:lstStyle/>
                 <a:p>
                   <a:r>
-                    <a:rPr lang="en-US">
+                    <a:rPr lang="en-CN">
                       <a:noFill/>
                     </a:rPr>
                     <a:t> </a:t>
@@ -35086,12 +35403,14 @@
             <a:r>
               <a:rPr kumimoji="1" lang="zh-CN" altLang="en-US" sz="1600" dirty="0">
                 <a:latin typeface="Times New Roman" panose="02020603050405020304" pitchFamily="18" charset="0"/>
+                <a:ea typeface="Songti TC" panose="02010600040101010101" pitchFamily="2" charset="-120"/>
                 <a:cs typeface="Times New Roman" panose="02020603050405020304" pitchFamily="18" charset="0"/>
               </a:rPr>
               <a:t>其他车辆动作</a:t>
             </a:r>
             <a:endParaRPr kumimoji="1" lang="zh-CN" altLang="en-US" sz="2000" dirty="0">
               <a:latin typeface="Times New Roman" panose="02020603050405020304" pitchFamily="18" charset="0"/>
+              <a:ea typeface="Songti TC" panose="02010600040101010101" pitchFamily="2" charset="-120"/>
               <a:cs typeface="Times New Roman" panose="02020603050405020304" pitchFamily="18" charset="0"/>
             </a:endParaRPr>
           </a:p>
@@ -35168,7 +35487,11 @@
             <a:lstStyle/>
             <a:p>
               <a:pPr algn="ctr"/>
-              <a:endParaRPr kumimoji="1" lang="zh-CN" altLang="en-US"/>
+              <a:endParaRPr kumimoji="1" lang="zh-CN" altLang="en-US">
+                <a:latin typeface="Times New Roman" panose="02020603050405020304" pitchFamily="18" charset="0"/>
+                <a:ea typeface="Songti TC" panose="02010600040101010101" pitchFamily="2" charset="-120"/>
+                <a:cs typeface="Times New Roman" panose="02020603050405020304" pitchFamily="18" charset="0"/>
+              </a:endParaRPr>
             </a:p>
           </p:txBody>
         </p:sp>
@@ -35245,7 +35568,11 @@
                       </m:oMath>
                     </m:oMathPara>
                   </a14:m>
-                  <a:endParaRPr lang="zh-CN" altLang="en-US" dirty="0"/>
+                  <a:endParaRPr lang="zh-CN" altLang="en-US" dirty="0">
+                    <a:latin typeface="Times New Roman" panose="02020603050405020304" pitchFamily="18" charset="0"/>
+                    <a:ea typeface="Songti TC" panose="02010600040101010101" pitchFamily="2" charset="-120"/>
+                    <a:cs typeface="Times New Roman" panose="02020603050405020304" pitchFamily="18" charset="0"/>
+                  </a:endParaRPr>
                 </a:p>
               </p:txBody>
             </p:sp>
@@ -35285,7 +35612,7 @@
                 <a:lstStyle/>
                 <a:p>
                   <a:r>
-                    <a:rPr lang="en-US">
+                    <a:rPr lang="en-CN">
                       <a:noFill/>
                     </a:rPr>
                     <a:t> </a:t>
@@ -35341,12 +35668,14 @@
                 <a:r>
                   <a:rPr kumimoji="1" lang="zh-CN" altLang="en-US" sz="1600" dirty="0">
                     <a:latin typeface="Times New Roman" panose="02020603050405020304" pitchFamily="18" charset="0"/>
+                    <a:ea typeface="Songti TC" panose="02010600040101010101" pitchFamily="2" charset="-120"/>
                     <a:cs typeface="Times New Roman" panose="02020603050405020304" pitchFamily="18" charset="0"/>
                   </a:rPr>
                   <a:t>的观测</a:t>
                 </a:r>
                 <a:endParaRPr kumimoji="1" lang="zh-CN" altLang="en-US" sz="2000" dirty="0">
                   <a:latin typeface="Times New Roman" panose="02020603050405020304" pitchFamily="18" charset="0"/>
+                  <a:ea typeface="Songti TC" panose="02010600040101010101" pitchFamily="2" charset="-120"/>
                   <a:cs typeface="Times New Roman" panose="02020603050405020304" pitchFamily="18" charset="0"/>
                 </a:endParaRPr>
               </a:p>
@@ -35379,7 +35708,7 @@
               <a:blipFill>
                 <a:blip r:embed="rId30"/>
                 <a:stretch>
-                  <a:fillRect t="-3571" b="-17857"/>
+                  <a:fillRect t="-3571" b="-21429"/>
                 </a:stretch>
               </a:blipFill>
             </p:spPr>
@@ -35388,7 +35717,7 @@
               <a:lstStyle/>
               <a:p>
                 <a:r>
-                  <a:rPr lang="en-US">
+                  <a:rPr lang="en-CN">
                     <a:noFill/>
                   </a:rPr>
                   <a:t> </a:t>
@@ -35443,12 +35772,14 @@
                 <a:r>
                   <a:rPr kumimoji="1" lang="zh-CN" altLang="en-US" sz="1600" dirty="0">
                     <a:latin typeface="Times New Roman" panose="02020603050405020304" pitchFamily="18" charset="0"/>
+                    <a:ea typeface="Songti TC" panose="02010600040101010101" pitchFamily="2" charset="-120"/>
                     <a:cs typeface="Times New Roman" panose="02020603050405020304" pitchFamily="18" charset="0"/>
                   </a:rPr>
                   <a:t>的奖励</a:t>
                 </a:r>
                 <a:endParaRPr kumimoji="1" lang="zh-CN" altLang="en-US" sz="2000" dirty="0">
                   <a:latin typeface="Times New Roman" panose="02020603050405020304" pitchFamily="18" charset="0"/>
+                  <a:ea typeface="Songti TC" panose="02010600040101010101" pitchFamily="2" charset="-120"/>
                   <a:cs typeface="Times New Roman" panose="02020603050405020304" pitchFamily="18" charset="0"/>
                 </a:endParaRPr>
               </a:p>
@@ -35481,7 +35812,7 @@
               <a:blipFill>
                 <a:blip r:embed="rId31"/>
                 <a:stretch>
-                  <a:fillRect t="-3571" b="-21429"/>
+                  <a:fillRect t="-3571" b="-25000"/>
                 </a:stretch>
               </a:blipFill>
             </p:spPr>
@@ -35490,7 +35821,7 @@
               <a:lstStyle/>
               <a:p>
                 <a:r>
-                  <a:rPr lang="en-US">
+                  <a:rPr lang="en-CN">
                     <a:noFill/>
                   </a:rPr>
                   <a:t> </a:t>
@@ -35568,12 +35899,16 @@
             <a:lstStyle/>
             <a:p>
               <a:pPr algn="ctr"/>
-              <a:endParaRPr kumimoji="1" lang="zh-CN" altLang="en-US"/>
+              <a:endParaRPr kumimoji="1" lang="zh-CN" altLang="en-US">
+                <a:latin typeface="Times New Roman" panose="02020603050405020304" pitchFamily="18" charset="0"/>
+                <a:ea typeface="Songti TC" panose="02010600040101010101" pitchFamily="2" charset="-120"/>
+                <a:cs typeface="Times New Roman" panose="02020603050405020304" pitchFamily="18" charset="0"/>
+              </a:endParaRPr>
             </a:p>
           </p:txBody>
         </p:sp>
-        <mc:AlternateContent xmlns:mc="http://schemas.openxmlformats.org/markup-compatibility/2006" xmlns:a14="http://schemas.microsoft.com/office/drawing/2010/main">
-          <mc:Choice Requires="a14">
+        <mc:AlternateContent xmlns:mc="http://schemas.openxmlformats.org/markup-compatibility/2006">
+          <mc:Choice xmlns:a14="http://schemas.microsoft.com/office/drawing/2010/main" Requires="a14">
             <p:sp>
               <p:nvSpPr>
                 <p:cNvPr id="371" name="文本框 370">
@@ -35645,12 +35980,16 @@
                       </m:oMath>
                     </m:oMathPara>
                   </a14:m>
-                  <a:endParaRPr lang="zh-CN" altLang="en-US" dirty="0"/>
+                  <a:endParaRPr lang="zh-CN" altLang="en-US" dirty="0">
+                    <a:latin typeface="Times New Roman" panose="02020603050405020304" pitchFamily="18" charset="0"/>
+                    <a:ea typeface="Songti TC" panose="02010600040101010101" pitchFamily="2" charset="-120"/>
+                    <a:cs typeface="Times New Roman" panose="02020603050405020304" pitchFamily="18" charset="0"/>
+                  </a:endParaRPr>
                 </a:p>
               </p:txBody>
             </p:sp>
           </mc:Choice>
-          <mc:Fallback xmlns="">
+          <mc:Fallback>
             <p:sp>
               <p:nvSpPr>
                 <p:cNvPr id="371" name="文本框 370">
@@ -35676,7 +36015,7 @@
                 <a:blipFill>
                   <a:blip r:embed="rId32"/>
                   <a:stretch>
-                    <a:fillRect r="-25000"/>
+                    <a:fillRect r="-21429"/>
                   </a:stretch>
                 </a:blipFill>
               </p:spPr>
@@ -35685,7 +36024,7 @@
                 <a:lstStyle/>
                 <a:p>
                   <a:r>
-                    <a:rPr lang="zh-CN" altLang="en-US">
+                    <a:rPr lang="en-CN">
                       <a:noFill/>
                     </a:rPr>
                     <a:t> </a:t>
@@ -35741,6 +36080,7 @@
                 <a:r>
                   <a:rPr kumimoji="1" lang="zh-CN" altLang="en-US" sz="1600" dirty="0">
                     <a:latin typeface="Times New Roman" panose="02020603050405020304" pitchFamily="18" charset="0"/>
+                    <a:ea typeface="Songti TC" panose="02010600040101010101" pitchFamily="2" charset="-120"/>
                     <a:cs typeface="Times New Roman" panose="02020603050405020304" pitchFamily="18" charset="0"/>
                   </a:rPr>
                   <a:t>的动作</a:t>
@@ -35775,7 +36115,7 @@
               <a:blipFill>
                 <a:blip r:embed="rId33"/>
                 <a:stretch>
-                  <a:fillRect t="-7143" b="-17857"/>
+                  <a:fillRect t="-7143" b="-21429"/>
                 </a:stretch>
               </a:blipFill>
             </p:spPr>
@@ -35784,7 +36124,7 @@
               <a:lstStyle/>
               <a:p>
                 <a:r>
-                  <a:rPr lang="en-US">
+                  <a:rPr lang="en-CN">
                     <a:noFill/>
                   </a:rPr>
                   <a:t> </a:t>
@@ -35862,12 +36202,16 @@
             <a:lstStyle/>
             <a:p>
               <a:pPr algn="ctr"/>
-              <a:endParaRPr kumimoji="1" lang="zh-CN" altLang="en-US" dirty="0"/>
+              <a:endParaRPr kumimoji="1" lang="zh-CN" altLang="en-US" dirty="0">
+                <a:latin typeface="Times New Roman" panose="02020603050405020304" pitchFamily="18" charset="0"/>
+                <a:ea typeface="Songti TC" panose="02010600040101010101" pitchFamily="2" charset="-120"/>
+                <a:cs typeface="Times New Roman" panose="02020603050405020304" pitchFamily="18" charset="0"/>
+              </a:endParaRPr>
             </a:p>
           </p:txBody>
         </p:sp>
-        <mc:AlternateContent xmlns:mc="http://schemas.openxmlformats.org/markup-compatibility/2006" xmlns:a14="http://schemas.microsoft.com/office/drawing/2010/main">
-          <mc:Choice Requires="a14">
+        <mc:AlternateContent xmlns:mc="http://schemas.openxmlformats.org/markup-compatibility/2006">
+          <mc:Choice xmlns:a14="http://schemas.microsoft.com/office/drawing/2010/main" Requires="a14">
             <p:sp>
               <p:nvSpPr>
                 <p:cNvPr id="378" name="文本框 377">
@@ -35939,12 +36283,16 @@
                       </m:oMath>
                     </m:oMathPara>
                   </a14:m>
-                  <a:endParaRPr lang="zh-CN" altLang="en-US" dirty="0"/>
+                  <a:endParaRPr lang="zh-CN" altLang="en-US" dirty="0">
+                    <a:latin typeface="Times New Roman" panose="02020603050405020304" pitchFamily="18" charset="0"/>
+                    <a:ea typeface="Songti TC" panose="02010600040101010101" pitchFamily="2" charset="-120"/>
+                    <a:cs typeface="Times New Roman" panose="02020603050405020304" pitchFamily="18" charset="0"/>
+                  </a:endParaRPr>
                 </a:p>
               </p:txBody>
             </p:sp>
           </mc:Choice>
-          <mc:Fallback xmlns="">
+          <mc:Fallback>
             <p:sp>
               <p:nvSpPr>
                 <p:cNvPr id="378" name="文本框 377">
@@ -35970,7 +36318,7 @@
                 <a:blipFill>
                   <a:blip r:embed="rId34"/>
                   <a:stretch>
-                    <a:fillRect r="-21429"/>
+                    <a:fillRect r="-17857"/>
                   </a:stretch>
                 </a:blipFill>
               </p:spPr>
@@ -35979,7 +36327,7 @@
                 <a:lstStyle/>
                 <a:p>
                   <a:r>
-                    <a:rPr lang="zh-CN" altLang="en-US">
+                    <a:rPr lang="en-CN">
                       <a:noFill/>
                     </a:rPr>
                     <a:t> </a:t>
@@ -36058,12 +36406,16 @@
             <a:lstStyle/>
             <a:p>
               <a:pPr algn="ctr"/>
-              <a:endParaRPr kumimoji="1" lang="zh-CN" altLang="en-US"/>
+              <a:endParaRPr kumimoji="1" lang="zh-CN" altLang="en-US">
+                <a:latin typeface="Times New Roman" panose="02020603050405020304" pitchFamily="18" charset="0"/>
+                <a:ea typeface="Songti TC" panose="02010600040101010101" pitchFamily="2" charset="-120"/>
+                <a:cs typeface="Times New Roman" panose="02020603050405020304" pitchFamily="18" charset="0"/>
+              </a:endParaRPr>
             </a:p>
           </p:txBody>
         </p:sp>
-        <mc:AlternateContent xmlns:mc="http://schemas.openxmlformats.org/markup-compatibility/2006" xmlns:a14="http://schemas.microsoft.com/office/drawing/2010/main">
-          <mc:Choice Requires="a14">
+        <mc:AlternateContent xmlns:mc="http://schemas.openxmlformats.org/markup-compatibility/2006">
+          <mc:Choice xmlns:a14="http://schemas.microsoft.com/office/drawing/2010/main" Requires="a14">
             <p:sp>
               <p:nvSpPr>
                 <p:cNvPr id="381" name="文本框 380">
@@ -36135,12 +36487,16 @@
                       </m:oMath>
                     </m:oMathPara>
                   </a14:m>
-                  <a:endParaRPr lang="zh-CN" altLang="en-US" dirty="0"/>
+                  <a:endParaRPr lang="zh-CN" altLang="en-US" dirty="0">
+                    <a:latin typeface="Times New Roman" panose="02020603050405020304" pitchFamily="18" charset="0"/>
+                    <a:ea typeface="Songti TC" panose="02010600040101010101" pitchFamily="2" charset="-120"/>
+                    <a:cs typeface="Times New Roman" panose="02020603050405020304" pitchFamily="18" charset="0"/>
+                  </a:endParaRPr>
                 </a:p>
               </p:txBody>
             </p:sp>
           </mc:Choice>
-          <mc:Fallback xmlns="">
+          <mc:Fallback>
             <p:sp>
               <p:nvSpPr>
                 <p:cNvPr id="381" name="文本框 380">
@@ -36218,12 +36574,14 @@
             <a:r>
               <a:rPr kumimoji="1" lang="zh-CN" altLang="en-US" sz="1600" dirty="0">
                 <a:latin typeface="Times New Roman" panose="02020603050405020304" pitchFamily="18" charset="0"/>
+                <a:ea typeface="Songti TC" panose="02010600040101010101" pitchFamily="2" charset="-120"/>
                 <a:cs typeface="Times New Roman" panose="02020603050405020304" pitchFamily="18" charset="0"/>
               </a:rPr>
               <a:t>所有车辆动作</a:t>
             </a:r>
             <a:endParaRPr kumimoji="1" lang="zh-CN" altLang="en-US" sz="2000" dirty="0">
               <a:latin typeface="Times New Roman" panose="02020603050405020304" pitchFamily="18" charset="0"/>
+              <a:ea typeface="Songti TC" panose="02010600040101010101" pitchFamily="2" charset="-120"/>
               <a:cs typeface="Times New Roman" panose="02020603050405020304" pitchFamily="18" charset="0"/>
             </a:endParaRPr>
           </a:p>
@@ -36300,12 +36658,16 @@
             <a:lstStyle/>
             <a:p>
               <a:pPr algn="ctr"/>
-              <a:endParaRPr kumimoji="1" lang="zh-CN" altLang="en-US"/>
+              <a:endParaRPr kumimoji="1" lang="zh-CN" altLang="en-US">
+                <a:latin typeface="Times New Roman" panose="02020603050405020304" pitchFamily="18" charset="0"/>
+                <a:ea typeface="Songti TC" panose="02010600040101010101" pitchFamily="2" charset="-120"/>
+                <a:cs typeface="Times New Roman" panose="02020603050405020304" pitchFamily="18" charset="0"/>
+              </a:endParaRPr>
             </a:p>
           </p:txBody>
         </p:sp>
-        <mc:AlternateContent xmlns:mc="http://schemas.openxmlformats.org/markup-compatibility/2006" xmlns:a14="http://schemas.microsoft.com/office/drawing/2010/main">
-          <mc:Choice Requires="a14">
+        <mc:AlternateContent xmlns:mc="http://schemas.openxmlformats.org/markup-compatibility/2006">
+          <mc:Choice xmlns:a14="http://schemas.microsoft.com/office/drawing/2010/main" Requires="a14">
             <p:sp>
               <p:nvSpPr>
                 <p:cNvPr id="769" name="文本框 768">
@@ -36377,12 +36739,16 @@
                       </m:oMath>
                     </m:oMathPara>
                   </a14:m>
-                  <a:endParaRPr lang="zh-CN" altLang="en-US" dirty="0"/>
+                  <a:endParaRPr lang="zh-CN" altLang="en-US" dirty="0">
+                    <a:latin typeface="Times New Roman" panose="02020603050405020304" pitchFamily="18" charset="0"/>
+                    <a:ea typeface="Songti TC" panose="02010600040101010101" pitchFamily="2" charset="-120"/>
+                    <a:cs typeface="Times New Roman" panose="02020603050405020304" pitchFamily="18" charset="0"/>
+                  </a:endParaRPr>
                 </a:p>
               </p:txBody>
             </p:sp>
           </mc:Choice>
-          <mc:Fallback xmlns="">
+          <mc:Fallback>
             <p:sp>
               <p:nvSpPr>
                 <p:cNvPr id="769" name="文本框 768">
@@ -36408,7 +36774,7 @@
                 <a:blipFill>
                   <a:blip r:embed="rId36"/>
                   <a:stretch>
-                    <a:fillRect r="-25926"/>
+                    <a:fillRect r="-25000"/>
                   </a:stretch>
                 </a:blipFill>
               </p:spPr>
@@ -36417,7 +36783,7 @@
                 <a:lstStyle/>
                 <a:p>
                   <a:r>
-                    <a:rPr lang="zh-CN" altLang="en-US">
+                    <a:rPr lang="en-CN">
                       <a:noFill/>
                     </a:rPr>
                     <a:t> </a:t>
@@ -36473,12 +36839,14 @@
                 <a:r>
                   <a:rPr kumimoji="1" lang="zh-CN" altLang="en-US" sz="1600" dirty="0">
                     <a:latin typeface="Times New Roman" panose="02020603050405020304" pitchFamily="18" charset="0"/>
+                    <a:ea typeface="Songti TC" panose="02010600040101010101" pitchFamily="2" charset="-120"/>
                     <a:cs typeface="Times New Roman" panose="02020603050405020304" pitchFamily="18" charset="0"/>
                   </a:rPr>
                   <a:t>的观测</a:t>
                 </a:r>
                 <a:endParaRPr kumimoji="1" lang="zh-CN" altLang="en-US" sz="2000" dirty="0">
                   <a:latin typeface="Times New Roman" panose="02020603050405020304" pitchFamily="18" charset="0"/>
+                  <a:ea typeface="Songti TC" panose="02010600040101010101" pitchFamily="2" charset="-120"/>
                   <a:cs typeface="Times New Roman" panose="02020603050405020304" pitchFamily="18" charset="0"/>
                 </a:endParaRPr>
               </a:p>
@@ -36511,7 +36879,7 @@
               <a:blipFill>
                 <a:blip r:embed="rId37"/>
                 <a:stretch>
-                  <a:fillRect t="-3571" b="-17857"/>
+                  <a:fillRect t="-3571" b="-25000"/>
                 </a:stretch>
               </a:blipFill>
             </p:spPr>
@@ -36520,7 +36888,7 @@
               <a:lstStyle/>
               <a:p>
                 <a:r>
-                  <a:rPr lang="en-US">
+                  <a:rPr lang="en-CN">
                     <a:noFill/>
                   </a:rPr>
                   <a:t> </a:t>
@@ -36575,12 +36943,14 @@
                 <a:r>
                   <a:rPr kumimoji="1" lang="zh-CN" altLang="en-US" sz="1600" dirty="0">
                     <a:latin typeface="Times New Roman" panose="02020603050405020304" pitchFamily="18" charset="0"/>
+                    <a:ea typeface="Songti TC" panose="02010600040101010101" pitchFamily="2" charset="-120"/>
                     <a:cs typeface="Times New Roman" panose="02020603050405020304" pitchFamily="18" charset="0"/>
                   </a:rPr>
                   <a:t>的奖励</a:t>
                 </a:r>
                 <a:endParaRPr kumimoji="1" lang="zh-CN" altLang="en-US" sz="2000" dirty="0">
                   <a:latin typeface="Times New Roman" panose="02020603050405020304" pitchFamily="18" charset="0"/>
+                  <a:ea typeface="Songti TC" panose="02010600040101010101" pitchFamily="2" charset="-120"/>
                   <a:cs typeface="Times New Roman" panose="02020603050405020304" pitchFamily="18" charset="0"/>
                 </a:endParaRPr>
               </a:p>
@@ -36613,7 +36983,7 @@
               <a:blipFill>
                 <a:blip r:embed="rId38"/>
                 <a:stretch>
-                  <a:fillRect t="-3571" b="-21429"/>
+                  <a:fillRect t="-3571" b="-25000"/>
                 </a:stretch>
               </a:blipFill>
             </p:spPr>
@@ -36622,7 +36992,7 @@
               <a:lstStyle/>
               <a:p>
                 <a:r>
-                  <a:rPr lang="en-US">
+                  <a:rPr lang="en-CN">
                     <a:noFill/>
                   </a:rPr>
                   <a:t> </a:t>
@@ -36664,12 +37034,14 @@
             <a:r>
               <a:rPr kumimoji="1" lang="zh-CN" altLang="en-US" sz="1600" dirty="0">
                 <a:latin typeface="Times New Roman" panose="02020603050405020304" pitchFamily="18" charset="0"/>
+                <a:ea typeface="Songti TC" panose="02010600040101010101" pitchFamily="2" charset="-120"/>
                 <a:cs typeface="Times New Roman" panose="02020603050405020304" pitchFamily="18" charset="0"/>
               </a:rPr>
               <a:t>不同目标上奖励的权重</a:t>
             </a:r>
             <a:endParaRPr kumimoji="1" lang="zh-CN" altLang="en-US" sz="2000" dirty="0">
               <a:latin typeface="Times New Roman" panose="02020603050405020304" pitchFamily="18" charset="0"/>
+              <a:ea typeface="Songti TC" panose="02010600040101010101" pitchFamily="2" charset="-120"/>
               <a:cs typeface="Times New Roman" panose="02020603050405020304" pitchFamily="18" charset="0"/>
             </a:endParaRPr>
           </a:p>
@@ -36755,6 +37127,7 @@
                 <a:r>
                   <a:rPr kumimoji="1" lang="zh-CN" altLang="en-US" sz="2000" b="1" dirty="0">
                     <a:latin typeface="Times New Roman" panose="02020603050405020304" pitchFamily="18" charset="0"/>
+                    <a:ea typeface="Songti TC" panose="02010600040101010101" pitchFamily="2" charset="-120"/>
                     <a:cs typeface="Times New Roman" panose="02020603050405020304" pitchFamily="18" charset="0"/>
                   </a:rPr>
                   <a:t>采样</a:t>
@@ -36762,6 +37135,7 @@
                 <a:r>
                   <a:rPr kumimoji="1" lang="en-US" altLang="zh-CN" sz="2000" b="1" dirty="0">
                     <a:latin typeface="Times New Roman" panose="02020603050405020304" pitchFamily="18" charset="0"/>
+                    <a:ea typeface="Songti TC" panose="02010600040101010101" pitchFamily="2" charset="-120"/>
                     <a:cs typeface="Times New Roman" panose="02020603050405020304" pitchFamily="18" charset="0"/>
                   </a:rPr>
                   <a:t> </a:t>
@@ -36779,6 +37153,7 @@
                 </a14:m>
                 <a:endParaRPr kumimoji="1" lang="en-US" altLang="zh-CN" sz="2000" b="1" dirty="0">
                   <a:latin typeface="Times New Roman" panose="02020603050405020304" pitchFamily="18" charset="0"/>
+                  <a:ea typeface="Songti TC" panose="02010600040101010101" pitchFamily="2" charset="-120"/>
                   <a:cs typeface="Times New Roman" panose="02020603050405020304" pitchFamily="18" charset="0"/>
                 </a:endParaRPr>
               </a:p>
@@ -36787,6 +37162,7 @@
                 <a:r>
                   <a:rPr kumimoji="1" lang="zh-CN" altLang="en-US" sz="2000" b="1" dirty="0">
                     <a:latin typeface="Times New Roman" panose="02020603050405020304" pitchFamily="18" charset="0"/>
+                    <a:ea typeface="Songti TC" panose="02010600040101010101" pitchFamily="2" charset="-120"/>
                     <a:cs typeface="Times New Roman" panose="02020603050405020304" pitchFamily="18" charset="0"/>
                   </a:rPr>
                   <a:t>最小样本集</a:t>
@@ -36830,7 +37206,7 @@
               <a:lstStyle/>
               <a:p>
                 <a:r>
-                  <a:rPr lang="en-US">
+                  <a:rPr lang="en-CN">
                     <a:noFill/>
                   </a:rPr>
                   <a:t> </a:t>
@@ -36872,12 +37248,14 @@
             <a:r>
               <a:rPr kumimoji="1" lang="zh-CN" altLang="en-US" sz="1600" dirty="0">
                 <a:latin typeface="Times New Roman" panose="02020603050405020304" pitchFamily="18" charset="0"/>
+                <a:ea typeface="Songti TC" panose="02010600040101010101" pitchFamily="2" charset="-120"/>
                 <a:cs typeface="Times New Roman" panose="02020603050405020304" pitchFamily="18" charset="0"/>
               </a:rPr>
               <a:t>系统状态</a:t>
             </a:r>
             <a:endParaRPr kumimoji="1" lang="zh-CN" altLang="en-US" sz="2000" dirty="0">
               <a:latin typeface="Times New Roman" panose="02020603050405020304" pitchFamily="18" charset="0"/>
+              <a:ea typeface="Songti TC" panose="02010600040101010101" pitchFamily="2" charset="-120"/>
               <a:cs typeface="Times New Roman" panose="02020603050405020304" pitchFamily="18" charset="0"/>
             </a:endParaRPr>
           </a:p>
@@ -36978,7 +37356,11 @@
           <a:lstStyle/>
           <a:p>
             <a:pPr algn="ctr"/>
-            <a:endParaRPr kumimoji="1" lang="zh-CN" altLang="en-US"/>
+            <a:endParaRPr kumimoji="1" lang="zh-CN" altLang="en-US">
+              <a:latin typeface="Times New Roman" panose="02020603050405020304" pitchFamily="18" charset="0"/>
+              <a:ea typeface="Songti TC" panose="02010600040101010101" pitchFamily="2" charset="-120"/>
+              <a:cs typeface="Times New Roman" panose="02020603050405020304" pitchFamily="18" charset="0"/>
+            </a:endParaRPr>
           </a:p>
         </p:txBody>
       </p:sp>
@@ -37027,6 +37409,7 @@
                 <a:r>
                   <a:rPr kumimoji="1" lang="en-US" altLang="zh-CN" sz="1600" b="1" dirty="0">
                     <a:latin typeface="Times New Roman" panose="02020603050405020304" pitchFamily="18" charset="0"/>
+                    <a:ea typeface="Songti TC" panose="02010600040101010101" pitchFamily="2" charset="-120"/>
                     <a:cs typeface="Times New Roman" panose="02020603050405020304" pitchFamily="18" charset="0"/>
                   </a:rPr>
                   <a:t> </a:t>
@@ -37034,6 +37417,7 @@
                 <a:r>
                   <a:rPr kumimoji="1" lang="zh-CN" altLang="en-US" sz="1600" b="1" dirty="0">
                     <a:latin typeface="Times New Roman" panose="02020603050405020304" pitchFamily="18" charset="0"/>
+                    <a:ea typeface="Songti TC" panose="02010600040101010101" pitchFamily="2" charset="-120"/>
                     <a:cs typeface="Times New Roman" panose="02020603050405020304" pitchFamily="18" charset="0"/>
                   </a:rPr>
                   <a:t>行动者</a:t>
@@ -37068,7 +37452,7 @@
               <a:blipFill>
                 <a:blip r:embed="rId40"/>
                 <a:stretch>
-                  <a:fillRect t="-3704" b="-22222"/>
+                  <a:fillRect t="-3704" b="-25926"/>
                 </a:stretch>
               </a:blipFill>
             </p:spPr>
@@ -37077,7 +37461,7 @@
               <a:lstStyle/>
               <a:p>
                 <a:r>
-                  <a:rPr lang="en-US">
+                  <a:rPr lang="en-CN">
                     <a:noFill/>
                   </a:rPr>
                   <a:t> </a:t>
@@ -37134,7 +37518,11 @@
           <a:lstStyle/>
           <a:p>
             <a:pPr algn="ctr"/>
-            <a:endParaRPr kumimoji="1" lang="zh-CN" altLang="en-US"/>
+            <a:endParaRPr kumimoji="1" lang="zh-CN" altLang="en-US">
+              <a:latin typeface="Times New Roman" panose="02020603050405020304" pitchFamily="18" charset="0"/>
+              <a:ea typeface="Songti TC" panose="02010600040101010101" pitchFamily="2" charset="-120"/>
+              <a:cs typeface="Times New Roman" panose="02020603050405020304" pitchFamily="18" charset="0"/>
+            </a:endParaRPr>
           </a:p>
         </p:txBody>
       </p:sp>
@@ -37183,6 +37571,7 @@
                 <a:r>
                   <a:rPr kumimoji="1" lang="en-US" altLang="zh-CN" sz="1600" b="1" dirty="0">
                     <a:latin typeface="Times New Roman" panose="02020603050405020304" pitchFamily="18" charset="0"/>
+                    <a:ea typeface="Songti TC" panose="02010600040101010101" pitchFamily="2" charset="-120"/>
                     <a:cs typeface="Times New Roman" panose="02020603050405020304" pitchFamily="18" charset="0"/>
                   </a:rPr>
                   <a:t> </a:t>
@@ -37190,6 +37579,7 @@
                 <a:r>
                   <a:rPr kumimoji="1" lang="zh-CN" altLang="en-US" sz="1600" b="1" dirty="0">
                     <a:latin typeface="Times New Roman" panose="02020603050405020304" pitchFamily="18" charset="0"/>
+                    <a:ea typeface="Songti TC" panose="02010600040101010101" pitchFamily="2" charset="-120"/>
                     <a:cs typeface="Times New Roman" panose="02020603050405020304" pitchFamily="18" charset="0"/>
                   </a:rPr>
                   <a:t>样本</a:t>
@@ -37224,7 +37614,7 @@
               <a:blipFill>
                 <a:blip r:embed="rId41"/>
                 <a:stretch>
-                  <a:fillRect t="-3571" b="-17857"/>
+                  <a:fillRect t="-3571" b="-25000"/>
                 </a:stretch>
               </a:blipFill>
             </p:spPr>
@@ -37233,7 +37623,7 @@
               <a:lstStyle/>
               <a:p>
                 <a:r>
-                  <a:rPr lang="en-US">
+                  <a:rPr lang="en-CN">
                     <a:noFill/>
                   </a:rPr>
                   <a:t> </a:t>
@@ -37275,6 +37665,7 @@
             <a:r>
               <a:rPr kumimoji="1" lang="zh-CN" altLang="en-US" sz="2000" dirty="0">
                 <a:latin typeface="Times New Roman" panose="02020603050405020304" pitchFamily="18" charset="0"/>
+                <a:ea typeface="Songti TC" panose="02010600040101010101" pitchFamily="2" charset="-120"/>
                 <a:cs typeface="Times New Roman" panose="02020603050405020304" pitchFamily="18" charset="0"/>
               </a:rPr>
               <a:t>学习器的输入随着智能体的类型（车辆或者边缘节点）改变</a:t>
@@ -37429,9 +37820,9 @@
                 <a:solidFill>
                   <a:srgbClr val="191919"/>
                 </a:solidFill>
-                <a:latin typeface="Times New Roman"/>
-                <a:ea typeface="Times New Roman"/>
-                <a:cs typeface="Times New Roman"/>
+                <a:latin typeface="Times New Roman" panose="02020603050405020304" pitchFamily="18" charset="0"/>
+                <a:ea typeface="Songti TC" panose="02010600040101010101" pitchFamily="2" charset="-120"/>
+                <a:cs typeface="Times New Roman" panose="02020603050405020304" pitchFamily="18" charset="0"/>
               </a:rPr>
               <a:t>随机</a:t>
             </a:r>
@@ -37439,9 +37830,9 @@
               <a:solidFill>
                 <a:srgbClr val="191919"/>
               </a:solidFill>
-              <a:latin typeface="Times New Roman"/>
-              <a:ea typeface="Times New Roman"/>
-              <a:cs typeface="Times New Roman"/>
+              <a:latin typeface="Times New Roman" panose="02020603050405020304" pitchFamily="18" charset="0"/>
+              <a:ea typeface="Songti TC" panose="02010600040101010101" pitchFamily="2" charset="-120"/>
+              <a:cs typeface="Times New Roman" panose="02020603050405020304" pitchFamily="18" charset="0"/>
             </a:endParaRPr>
           </a:p>
           <a:p>
@@ -37451,9 +37842,9 @@
                 <a:solidFill>
                   <a:srgbClr val="191919"/>
                 </a:solidFill>
-                <a:latin typeface="Times New Roman"/>
-                <a:ea typeface="Times New Roman"/>
-                <a:cs typeface="Times New Roman"/>
+                <a:latin typeface="Times New Roman" panose="02020603050405020304" pitchFamily="18" charset="0"/>
+                <a:ea typeface="Songti TC" panose="02010600040101010101" pitchFamily="2" charset="-120"/>
+                <a:cs typeface="Times New Roman" panose="02020603050405020304" pitchFamily="18" charset="0"/>
               </a:rPr>
               <a:t>权重</a:t>
             </a:r>
@@ -37584,8 +37975,8 @@
           </a:ln>
         </p:spPr>
       </p:sp>
-      <mc:AlternateContent xmlns:mc="http://schemas.openxmlformats.org/markup-compatibility/2006" xmlns:a14="http://schemas.microsoft.com/office/drawing/2010/main">
-        <mc:Choice Requires="a14">
+      <mc:AlternateContent xmlns:mc="http://schemas.openxmlformats.org/markup-compatibility/2006">
+        <mc:Choice xmlns:a14="http://schemas.microsoft.com/office/drawing/2010/main" Requires="a14">
           <p:sp>
             <p:nvSpPr>
               <p:cNvPr id="842" name="矩形 841">
@@ -37601,7 +37992,7 @@
             <p:spPr>
               <a:xfrm>
                 <a:off x="2535193" y="5397779"/>
-                <a:ext cx="471796" cy="369332"/>
+                <a:ext cx="476605" cy="369332"/>
               </a:xfrm>
               <a:prstGeom prst="rect">
                 <a:avLst/>
@@ -37660,12 +38051,16 @@
                     </m:oMath>
                   </m:oMathPara>
                 </a14:m>
-                <a:endParaRPr lang="zh-CN" altLang="en-US" dirty="0"/>
+                <a:endParaRPr lang="zh-CN" altLang="en-US" dirty="0">
+                  <a:latin typeface="Times New Roman" panose="02020603050405020304" pitchFamily="18" charset="0"/>
+                  <a:ea typeface="Songti TC" panose="02010600040101010101" pitchFamily="2" charset="-120"/>
+                  <a:cs typeface="Times New Roman" panose="02020603050405020304" pitchFamily="18" charset="0"/>
+                </a:endParaRPr>
               </a:p>
             </p:txBody>
           </p:sp>
         </mc:Choice>
-        <mc:Fallback xmlns="">
+        <mc:Fallback>
           <p:sp>
             <p:nvSpPr>
               <p:cNvPr id="842" name="矩形 841">
@@ -37683,7 +38078,7 @@
             <p:spPr>
               <a:xfrm>
                 <a:off x="2535193" y="5397779"/>
-                <a:ext cx="471796" cy="369332"/>
+                <a:ext cx="476605" cy="369332"/>
               </a:xfrm>
               <a:prstGeom prst="rect">
                 <a:avLst/>
@@ -38086,8 +38481,8 @@
           </a:ln>
         </p:spPr>
       </p:sp>
-      <mc:AlternateContent xmlns:mc="http://schemas.openxmlformats.org/markup-compatibility/2006" xmlns:a14="http://schemas.microsoft.com/office/drawing/2010/main">
-        <mc:Choice Requires="a14">
+      <mc:AlternateContent xmlns:mc="http://schemas.openxmlformats.org/markup-compatibility/2006">
+        <mc:Choice xmlns:a14="http://schemas.microsoft.com/office/drawing/2010/main" Requires="a14">
           <p:sp>
             <p:nvSpPr>
               <p:cNvPr id="858" name="矩形 857">
@@ -38103,7 +38498,7 @@
             <p:spPr>
               <a:xfrm>
                 <a:off x="5089218" y="5102591"/>
-                <a:ext cx="466986" cy="369332"/>
+                <a:ext cx="471796" cy="369332"/>
               </a:xfrm>
               <a:prstGeom prst="rect">
                 <a:avLst/>
@@ -38162,12 +38557,16 @@
                     </m:oMath>
                   </m:oMathPara>
                 </a14:m>
-                <a:endParaRPr lang="zh-CN" altLang="en-US" dirty="0"/>
+                <a:endParaRPr lang="zh-CN" altLang="en-US" dirty="0">
+                  <a:latin typeface="Times New Roman" panose="02020603050405020304" pitchFamily="18" charset="0"/>
+                  <a:ea typeface="Songti TC" panose="02010600040101010101" pitchFamily="2" charset="-120"/>
+                  <a:cs typeface="Times New Roman" panose="02020603050405020304" pitchFamily="18" charset="0"/>
+                </a:endParaRPr>
               </a:p>
             </p:txBody>
           </p:sp>
         </mc:Choice>
-        <mc:Fallback xmlns="">
+        <mc:Fallback>
           <p:sp>
             <p:nvSpPr>
               <p:cNvPr id="858" name="矩形 857">
@@ -38185,7 +38584,7 @@
             <p:spPr>
               <a:xfrm>
                 <a:off x="5089218" y="5102591"/>
-                <a:ext cx="466986" cy="369332"/>
+                <a:ext cx="471796" cy="369332"/>
               </a:xfrm>
               <a:prstGeom prst="rect">
                 <a:avLst/>
@@ -38233,7 +38632,7 @@
             <p:spPr>
               <a:xfrm>
                 <a:off x="3464870" y="5317590"/>
-                <a:ext cx="474232" cy="369332"/>
+                <a:ext cx="479042" cy="369332"/>
               </a:xfrm>
               <a:prstGeom prst="rect">
                 <a:avLst/>
@@ -38292,7 +38691,11 @@
                     </m:oMath>
                   </m:oMathPara>
                 </a14:m>
-                <a:endParaRPr lang="zh-CN" altLang="en-US" dirty="0"/>
+                <a:endParaRPr lang="zh-CN" altLang="en-US" dirty="0">
+                  <a:latin typeface="Times New Roman" panose="02020603050405020304" pitchFamily="18" charset="0"/>
+                  <a:ea typeface="Songti TC" panose="02010600040101010101" pitchFamily="2" charset="-120"/>
+                  <a:cs typeface="Times New Roman" panose="02020603050405020304" pitchFamily="18" charset="0"/>
+                </a:endParaRPr>
               </a:p>
             </p:txBody>
           </p:sp>
@@ -38315,7 +38718,7 @@
             <p:spPr>
               <a:xfrm>
                 <a:off x="3464870" y="5317590"/>
-                <a:ext cx="474232" cy="369332"/>
+                <a:ext cx="479042" cy="369332"/>
               </a:xfrm>
               <a:prstGeom prst="rect">
                 <a:avLst/>
@@ -38336,7 +38739,7 @@
               <a:lstStyle/>
               <a:p>
                 <a:r>
-                  <a:rPr lang="en-US">
+                  <a:rPr lang="en-CN">
                     <a:noFill/>
                   </a:rPr>
                   <a:t> </a:t>
@@ -38346,8 +38749,8 @@
           </p:sp>
         </mc:Fallback>
       </mc:AlternateContent>
-      <mc:AlternateContent xmlns:mc="http://schemas.openxmlformats.org/markup-compatibility/2006" xmlns:a14="http://schemas.microsoft.com/office/drawing/2010/main">
-        <mc:Choice Requires="a14">
+      <mc:AlternateContent xmlns:mc="http://schemas.openxmlformats.org/markup-compatibility/2006">
+        <mc:Choice xmlns:a14="http://schemas.microsoft.com/office/drawing/2010/main" Requires="a14">
           <p:sp>
             <p:nvSpPr>
               <p:cNvPr id="860" name="矩形 859">
@@ -38363,7 +38766,7 @@
             <p:spPr>
               <a:xfrm>
                 <a:off x="845524" y="4886204"/>
-                <a:ext cx="457946" cy="369332"/>
+                <a:ext cx="462755" cy="369332"/>
               </a:xfrm>
               <a:prstGeom prst="rect">
                 <a:avLst/>
@@ -38422,12 +38825,16 @@
                     </m:oMath>
                   </m:oMathPara>
                 </a14:m>
-                <a:endParaRPr lang="zh-CN" altLang="en-US" dirty="0"/>
+                <a:endParaRPr lang="zh-CN" altLang="en-US" dirty="0">
+                  <a:latin typeface="Times New Roman" panose="02020603050405020304" pitchFamily="18" charset="0"/>
+                  <a:ea typeface="Songti TC" panose="02010600040101010101" pitchFamily="2" charset="-120"/>
+                  <a:cs typeface="Times New Roman" panose="02020603050405020304" pitchFamily="18" charset="0"/>
+                </a:endParaRPr>
               </a:p>
             </p:txBody>
           </p:sp>
         </mc:Choice>
-        <mc:Fallback xmlns="">
+        <mc:Fallback>
           <p:sp>
             <p:nvSpPr>
               <p:cNvPr id="860" name="矩形 859">
@@ -38445,7 +38852,7 @@
             <p:spPr>
               <a:xfrm>
                 <a:off x="845524" y="4886204"/>
-                <a:ext cx="457946" cy="369332"/>
+                <a:ext cx="462755" cy="369332"/>
               </a:xfrm>
               <a:prstGeom prst="rect">
                 <a:avLst/>
@@ -38493,7 +38900,7 @@
             <p:spPr>
               <a:xfrm>
                 <a:off x="781802" y="4161340"/>
-                <a:ext cx="460382" cy="369332"/>
+                <a:ext cx="465191" cy="369332"/>
               </a:xfrm>
               <a:prstGeom prst="rect">
                 <a:avLst/>
@@ -38548,7 +38955,11 @@
                     </m:oMath>
                   </m:oMathPara>
                 </a14:m>
-                <a:endParaRPr lang="zh-CN" altLang="en-US" dirty="0"/>
+                <a:endParaRPr lang="zh-CN" altLang="en-US" dirty="0">
+                  <a:latin typeface="Times New Roman" panose="02020603050405020304" pitchFamily="18" charset="0"/>
+                  <a:ea typeface="Songti TC" panose="02010600040101010101" pitchFamily="2" charset="-120"/>
+                  <a:cs typeface="Times New Roman" panose="02020603050405020304" pitchFamily="18" charset="0"/>
+                </a:endParaRPr>
               </a:p>
             </p:txBody>
           </p:sp>
@@ -38571,7 +38982,7 @@
             <p:spPr>
               <a:xfrm>
                 <a:off x="781802" y="4161340"/>
-                <a:ext cx="460382" cy="369332"/>
+                <a:ext cx="465191" cy="369332"/>
               </a:xfrm>
               <a:prstGeom prst="rect">
                 <a:avLst/>
@@ -38588,7 +38999,7 @@
               <a:lstStyle/>
               <a:p>
                 <a:r>
-                  <a:rPr lang="en-US">
+                  <a:rPr lang="en-CN">
                     <a:noFill/>
                   </a:rPr>
                   <a:t> </a:t>
@@ -38646,7 +39057,11 @@
           <a:lstStyle/>
           <a:p>
             <a:pPr algn="ctr"/>
-            <a:endParaRPr kumimoji="1" lang="zh-CN" altLang="en-US"/>
+            <a:endParaRPr kumimoji="1" lang="zh-CN" altLang="en-US">
+              <a:latin typeface="Times New Roman" panose="02020603050405020304" pitchFamily="18" charset="0"/>
+              <a:ea typeface="Songti TC" panose="02010600040101010101" pitchFamily="2" charset="-120"/>
+              <a:cs typeface="Times New Roman" panose="02020603050405020304" pitchFamily="18" charset="0"/>
+            </a:endParaRPr>
           </a:p>
         </p:txBody>
       </p:sp>
@@ -38682,6 +39097,7 @@
             <a:r>
               <a:rPr kumimoji="1" lang="zh-CN" altLang="en-US" sz="1600" b="1" dirty="0">
                 <a:latin typeface="Times New Roman" panose="02020603050405020304" pitchFamily="18" charset="0"/>
+                <a:ea typeface="Songti TC" panose="02010600040101010101" pitchFamily="2" charset="-120"/>
                 <a:cs typeface="Times New Roman" panose="02020603050405020304" pitchFamily="18" charset="0"/>
               </a:rPr>
               <a:t>其他动作</a:t>
@@ -38754,7 +39170,11 @@
                     </m:oMath>
                   </m:oMathPara>
                 </a14:m>
-                <a:endParaRPr lang="zh-CN" altLang="en-US" dirty="0"/>
+                <a:endParaRPr lang="zh-CN" altLang="en-US" dirty="0">
+                  <a:latin typeface="Times New Roman" panose="02020603050405020304" pitchFamily="18" charset="0"/>
+                  <a:ea typeface="Songti TC" panose="02010600040101010101" pitchFamily="2" charset="-120"/>
+                  <a:cs typeface="Times New Roman" panose="02020603050405020304" pitchFamily="18" charset="0"/>
+                </a:endParaRPr>
               </a:p>
             </p:txBody>
           </p:sp>
@@ -38794,7 +39214,7 @@
               <a:lstStyle/>
               <a:p>
                 <a:r>
-                  <a:rPr lang="en-US">
+                  <a:rPr lang="en-CN">
                     <a:noFill/>
                   </a:rPr>
                   <a:t> </a:t>
@@ -38804,8 +39224,8 @@
           </p:sp>
         </mc:Fallback>
       </mc:AlternateContent>
-      <mc:AlternateContent xmlns:mc="http://schemas.openxmlformats.org/markup-compatibility/2006" xmlns:a14="http://schemas.microsoft.com/office/drawing/2010/main">
-        <mc:Choice Requires="a14">
+      <mc:AlternateContent xmlns:mc="http://schemas.openxmlformats.org/markup-compatibility/2006">
+        <mc:Choice xmlns:a14="http://schemas.microsoft.com/office/drawing/2010/main" Requires="a14">
           <p:sp>
             <p:nvSpPr>
               <p:cNvPr id="568" name="文本框 567">
@@ -38838,12 +39258,15 @@
                 <a:r>
                   <a:rPr kumimoji="1" lang="en-US" altLang="zh-CN" sz="1600" b="0" dirty="0">
                     <a:latin typeface="Times New Roman" panose="02020603050405020304" pitchFamily="18" charset="0"/>
+                    <a:ea typeface="Songti TC" panose="02010600040101010101" pitchFamily="2" charset="-120"/>
                     <a:cs typeface="Times New Roman" panose="02020603050405020304" pitchFamily="18" charset="0"/>
                   </a:rPr>
                   <a:t>if  </a:t>
                 </a:r>
                 <a:r>
                   <a:rPr kumimoji="1" lang="en-US" altLang="zh-CN" b="0" dirty="0">
+                    <a:latin typeface="Times New Roman" panose="02020603050405020304" pitchFamily="18" charset="0"/>
+                    <a:ea typeface="Songti TC" panose="02010600040101010101" pitchFamily="2" charset="-120"/>
                     <a:cs typeface="Times New Roman" panose="02020603050405020304" pitchFamily="18" charset="0"/>
                   </a:rPr>
                   <a:t> </a:t>
@@ -38876,19 +39299,21 @@
                 <a:r>
                   <a:rPr kumimoji="1" lang="en-US" altLang="zh-CN" dirty="0">
                     <a:latin typeface="Times New Roman" panose="02020603050405020304" pitchFamily="18" charset="0"/>
+                    <a:ea typeface="Songti TC" panose="02010600040101010101" pitchFamily="2" charset="-120"/>
                     <a:cs typeface="Times New Roman" panose="02020603050405020304" pitchFamily="18" charset="0"/>
                   </a:rPr>
                   <a:t>  </a:t>
                 </a:r>
                 <a:endParaRPr kumimoji="1" lang="zh-CN" altLang="en-US" dirty="0">
                   <a:latin typeface="Times New Roman" panose="02020603050405020304" pitchFamily="18" charset="0"/>
+                  <a:ea typeface="Songti TC" panose="02010600040101010101" pitchFamily="2" charset="-120"/>
                   <a:cs typeface="Times New Roman" panose="02020603050405020304" pitchFamily="18" charset="0"/>
                 </a:endParaRPr>
               </a:p>
             </p:txBody>
           </p:sp>
         </mc:Choice>
-        <mc:Fallback xmlns="">
+        <mc:Fallback>
           <p:sp>
             <p:nvSpPr>
               <p:cNvPr id="568" name="文本框 567">
@@ -38968,11 +39393,16 @@
                   <a:schemeClr val="tx1"/>
                 </a:solidFill>
                 <a:latin typeface="Times New Roman" panose="02020603050405020304" pitchFamily="18" charset="0"/>
+                <a:ea typeface="Songti TC" panose="02010600040101010101" pitchFamily="2" charset="-120"/>
                 <a:cs typeface="Times New Roman" panose="02020603050405020304" pitchFamily="18" charset="0"/>
               </a:rPr>
               <a:t>分类分布</a:t>
             </a:r>
-            <a:endParaRPr lang="zh-CN" altLang="en-US" dirty="0"/>
+            <a:endParaRPr lang="zh-CN" altLang="en-US" dirty="0">
+              <a:latin typeface="Times New Roman" panose="02020603050405020304" pitchFamily="18" charset="0"/>
+              <a:ea typeface="Songti TC" panose="02010600040101010101" pitchFamily="2" charset="-120"/>
+              <a:cs typeface="Times New Roman" panose="02020603050405020304" pitchFamily="18" charset="0"/>
+            </a:endParaRPr>
           </a:p>
         </p:txBody>
       </p:sp>
@@ -39027,7 +39457,11 @@
           <a:lstStyle/>
           <a:p>
             <a:pPr algn="ctr"/>
-            <a:endParaRPr kumimoji="1" lang="zh-CN" altLang="en-US"/>
+            <a:endParaRPr kumimoji="1" lang="zh-CN" altLang="en-US">
+              <a:latin typeface="Times New Roman" panose="02020603050405020304" pitchFamily="18" charset="0"/>
+              <a:ea typeface="Songti TC" panose="02010600040101010101" pitchFamily="2" charset="-120"/>
+              <a:cs typeface="Times New Roman" panose="02020603050405020304" pitchFamily="18" charset="0"/>
+            </a:endParaRPr>
           </a:p>
         </p:txBody>
       </p:sp>
